--- a/community_quality/Community_Quality_Graph_Connect_2022.pptx
+++ b/community_quality/Community_Quality_Graph_Connect_2022.pptx
@@ -13482,6 +13482,75 @@
           </a:prstGeom>
         </p:spPr>
       </p:pic>
+      <p:pic>
+        <p:nvPicPr>
+          <p:cNvPr id="4" name="Picture 3" descr="Qr code&#10;&#10;Description automatically generated">
+            <a:extLst>
+              <a:ext uri="{FF2B5EF4-FFF2-40B4-BE49-F238E27FC236}">
+                <a16:creationId xmlns:a16="http://schemas.microsoft.com/office/drawing/2014/main" id="{F6D7BCC3-A060-2772-60B7-1BBD0951C119}"/>
+              </a:ext>
+            </a:extLst>
+          </p:cNvPr>
+          <p:cNvPicPr>
+            <a:picLocks noChangeAspect="1"/>
+          </p:cNvPicPr>
+          <p:nvPr/>
+        </p:nvPicPr>
+        <p:blipFill>
+          <a:blip r:embed="rId4"/>
+          <a:stretch>
+            <a:fillRect/>
+          </a:stretch>
+        </p:blipFill>
+        <p:spPr>
+          <a:xfrm>
+            <a:off x="5698338" y="1100050"/>
+            <a:ext cx="2722142" cy="2722142"/>
+          </a:xfrm>
+          <a:prstGeom prst="rect">
+            <a:avLst/>
+          </a:prstGeom>
+        </p:spPr>
+      </p:pic>
+      <p:sp>
+        <p:nvSpPr>
+          <p:cNvPr id="5" name="TextBox 4">
+            <a:extLst>
+              <a:ext uri="{FF2B5EF4-FFF2-40B4-BE49-F238E27FC236}">
+                <a16:creationId xmlns:a16="http://schemas.microsoft.com/office/drawing/2014/main" id="{AF483D98-4ADE-6F60-DA1B-D162815140DB}"/>
+              </a:ext>
+            </a:extLst>
+          </p:cNvPr>
+          <p:cNvSpPr txBox="1"/>
+          <p:nvPr/>
+        </p:nvSpPr>
+        <p:spPr>
+          <a:xfrm>
+            <a:off x="5698338" y="3980776"/>
+            <a:ext cx="2722142" cy="307777"/>
+          </a:xfrm>
+          <a:prstGeom prst="rect">
+            <a:avLst/>
+          </a:prstGeom>
+          <a:noFill/>
+        </p:spPr>
+        <p:txBody>
+          <a:bodyPr wrap="square" rtlCol="0">
+            <a:spAutoFit/>
+          </a:bodyPr>
+          <a:lstStyle/>
+          <a:p>
+            <a:r>
+              <a:rPr lang="en-US" dirty="0">
+                <a:solidFill>
+                  <a:schemeClr val="bg1"/>
+                </a:solidFill>
+              </a:rPr>
+              <a:t>Sample code repo</a:t>
+            </a:r>
+          </a:p>
+        </p:txBody>
+      </p:sp>
     </p:spTree>
   </p:cSld>
   <p:clrMapOvr>
@@ -13619,7 +13688,7 @@
         </p:nvSpPr>
         <p:spPr>
           <a:xfrm>
-            <a:off x="664699" y="2856788"/>
+            <a:off x="682650" y="4273424"/>
             <a:ext cx="5893755" cy="925200"/>
           </a:xfrm>
           <a:prstGeom prst="rect">
@@ -13677,6 +13746,36 @@
           </a:p>
         </p:txBody>
       </p:sp>
+      <p:pic>
+        <p:nvPicPr>
+          <p:cNvPr id="4" name="Picture 3" descr="Qr code&#10;&#10;Description automatically generated">
+            <a:extLst>
+              <a:ext uri="{FF2B5EF4-FFF2-40B4-BE49-F238E27FC236}">
+                <a16:creationId xmlns:a16="http://schemas.microsoft.com/office/drawing/2014/main" id="{8C3DF482-0063-AECD-7B23-ED7A944D7CAB}"/>
+              </a:ext>
+            </a:extLst>
+          </p:cNvPr>
+          <p:cNvPicPr>
+            <a:picLocks noChangeAspect="1"/>
+          </p:cNvPicPr>
+          <p:nvPr/>
+        </p:nvPicPr>
+        <p:blipFill>
+          <a:blip r:embed="rId3"/>
+          <a:stretch>
+            <a:fillRect/>
+          </a:stretch>
+        </p:blipFill>
+        <p:spPr>
+          <a:xfrm>
+            <a:off x="4572000" y="422915"/>
+            <a:ext cx="3668268" cy="3668268"/>
+          </a:xfrm>
+          <a:prstGeom prst="rect">
+            <a:avLst/>
+          </a:prstGeom>
+        </p:spPr>
+      </p:pic>
     </p:spTree>
   </p:cSld>
   <p:clrMapOvr>

--- a/community_quality/Community_Quality_Graph_Connect_2022.pptx
+++ b/community_quality/Community_Quality_Graph_Connect_2022.pptx
@@ -5,7 +5,7 @@
     <p:sldMasterId id="2147483648" r:id="rId1"/>
   </p:sldMasterIdLst>
   <p:notesMasterIdLst>
-    <p:notesMasterId r:id="rId14"/>
+    <p:notesMasterId r:id="rId13"/>
   </p:notesMasterIdLst>
   <p:sldIdLst>
     <p:sldId id="256" r:id="rId2"/>
@@ -15,21 +15,20 @@
     <p:sldId id="289" r:id="rId6"/>
     <p:sldId id="290" r:id="rId7"/>
     <p:sldId id="291" r:id="rId8"/>
-    <p:sldId id="292" r:id="rId9"/>
-    <p:sldId id="293" r:id="rId10"/>
-    <p:sldId id="262" r:id="rId11"/>
-    <p:sldId id="294" r:id="rId12"/>
-    <p:sldId id="285" r:id="rId13"/>
+    <p:sldId id="295" r:id="rId9"/>
+    <p:sldId id="262" r:id="rId10"/>
+    <p:sldId id="294" r:id="rId11"/>
+    <p:sldId id="285" r:id="rId12"/>
   </p:sldIdLst>
   <p:sldSz cx="9144000" cy="5143500" type="screen16x9"/>
   <p:notesSz cx="6858000" cy="9144000"/>
   <p:embeddedFontLst>
     <p:embeddedFont>
       <p:font typeface="Roboto Mono Medium" pitchFamily="49" charset="0"/>
-      <p:regular r:id="rId15"/>
-      <p:bold r:id="rId16"/>
-      <p:italic r:id="rId17"/>
-      <p:boldItalic r:id="rId18"/>
+      <p:regular r:id="rId14"/>
+      <p:bold r:id="rId15"/>
+      <p:italic r:id="rId16"/>
+      <p:boldItalic r:id="rId17"/>
     </p:embeddedFont>
   </p:embeddedFontLst>
   <p:defaultTextStyle>
@@ -266,7 +265,7 @@
       <p15:sldGuideLst xmlns:p15="http://schemas.microsoft.com/office/powerpoint/2012/main"/>
     </p:ext>
     <p:ext uri="http://customooxmlschemas.google.com/">
-      <go:slidesCustomData xmlns:go="http://customooxmlschemas.google.com/" xmlns:ahyp="http://schemas.microsoft.com/office/drawing/2018/hyperlinkcolor" xmlns:p15="http://schemas.microsoft.com/office/powerpoint/2012/main" xmlns:p14="http://schemas.microsoft.com/office/powerpoint/2010/main" xmlns:com="http://schemas.openxmlformats.org/drawingml/2006/compatibility" xmlns:pvml="urn:schemas-microsoft-com:office:powerpoint" xmlns:v="urn:schemas-microsoft-com:vml" xmlns:o="urn:schemas-microsoft-com:office:office" xmlns:dgm="http://schemas.openxmlformats.org/drawingml/2006/diagram" xmlns:c="http://schemas.openxmlformats.org/drawingml/2006/chart" xmlns:mv="urn:schemas-microsoft-com:mac:vml" xmlns:mc="http://schemas.openxmlformats.org/markup-compatibility/2006" xmlns="" r:id="rId47" roundtripDataSignature="AMtx7miQohkDYWW1rmn6Y3P9RjHBirT1Uw=="/>
+      <go:slidesCustomData xmlns="" xmlns:mc="http://schemas.openxmlformats.org/markup-compatibility/2006" xmlns:mv="urn:schemas-microsoft-com:mac:vml" xmlns:c="http://schemas.openxmlformats.org/drawingml/2006/chart" xmlns:dgm="http://schemas.openxmlformats.org/drawingml/2006/diagram" xmlns:o="urn:schemas-microsoft-com:office:office" xmlns:v="urn:schemas-microsoft-com:vml" xmlns:pvml="urn:schemas-microsoft-com:office:powerpoint" xmlns:com="http://schemas.openxmlformats.org/drawingml/2006/compatibility" xmlns:p14="http://schemas.microsoft.com/office/powerpoint/2010/main" xmlns:p15="http://schemas.microsoft.com/office/powerpoint/2012/main" xmlns:ahyp="http://schemas.microsoft.com/office/drawing/2018/hyperlinkcolor" xmlns:go="http://customooxmlschemas.google.com/" r:id="rId47" roundtripDataSignature="AMtx7miQohkDYWW1rmn6Y3P9RjHBirT1Uw=="/>
     </p:ext>
   </p:extLst>
 </p:presentation>
@@ -1427,6 +1426,72 @@
 </file>
 
 <file path=ppt/notesSlides/notesSlide6.xml><?xml version="1.0" encoding="utf-8"?>
+<p:notes xmlns:a="http://schemas.openxmlformats.org/drawingml/2006/main" xmlns:r="http://schemas.openxmlformats.org/officeDocument/2006/relationships" xmlns:p="http://schemas.openxmlformats.org/presentationml/2006/main">
+  <p:cSld>
+    <p:spTree>
+      <p:nvGrpSpPr>
+        <p:cNvPr id="1" name=""/>
+        <p:cNvGrpSpPr/>
+        <p:nvPr/>
+      </p:nvGrpSpPr>
+      <p:grpSpPr>
+        <a:xfrm>
+          <a:off x="0" y="0"/>
+          <a:ext cx="0" cy="0"/>
+          <a:chOff x="0" y="0"/>
+          <a:chExt cx="0" cy="0"/>
+        </a:xfrm>
+      </p:grpSpPr>
+      <p:sp>
+        <p:nvSpPr>
+          <p:cNvPr id="2" name="Slide Image Placeholder 1"/>
+          <p:cNvSpPr>
+            <a:spLocks noGrp="1" noRot="1" noChangeAspect="1"/>
+          </p:cNvSpPr>
+          <p:nvPr>
+            <p:ph type="sldImg"/>
+          </p:nvPr>
+        </p:nvSpPr>
+        <p:spPr>
+          <a:xfrm>
+            <a:off x="381000" y="685800"/>
+            <a:ext cx="6096000" cy="3429000"/>
+          </a:xfrm>
+        </p:spPr>
+      </p:sp>
+      <p:sp>
+        <p:nvSpPr>
+          <p:cNvPr id="3" name="Notes Placeholder 2"/>
+          <p:cNvSpPr>
+            <a:spLocks noGrp="1"/>
+          </p:cNvSpPr>
+          <p:nvPr>
+            <p:ph type="body" idx="1"/>
+          </p:nvPr>
+        </p:nvSpPr>
+        <p:spPr/>
+        <p:txBody>
+          <a:bodyPr/>
+          <a:lstStyle/>
+          <a:p>
+            <a:endParaRPr lang="en-US" dirty="0"/>
+          </a:p>
+        </p:txBody>
+      </p:sp>
+    </p:spTree>
+    <p:extLst>
+      <p:ext uri="{BB962C8B-B14F-4D97-AF65-F5344CB8AC3E}">
+        <p14:creationId xmlns:p14="http://schemas.microsoft.com/office/powerpoint/2010/main" val="2305518599"/>
+      </p:ext>
+    </p:extLst>
+  </p:cSld>
+  <p:clrMapOvr>
+    <a:masterClrMapping/>
+  </p:clrMapOvr>
+</p:notes>
+</file>
+
+<file path=ppt/notesSlides/notesSlide7.xml><?xml version="1.0" encoding="utf-8"?>
 <p:notes xmlns:a="http://schemas.openxmlformats.org/drawingml/2006/main" xmlns:r="http://schemas.openxmlformats.org/officeDocument/2006/relationships" xmlns:p="http://schemas.openxmlformats.org/presentationml/2006/main" showMasterSp="0" showMasterPhAnim="0">
   <p:cSld>
     <p:spTree>
@@ -1548,7 +1613,7 @@
 </p:notes>
 </file>
 
-<file path=ppt/notesSlides/notesSlide7.xml><?xml version="1.0" encoding="utf-8"?>
+<file path=ppt/notesSlides/notesSlide8.xml><?xml version="1.0" encoding="utf-8"?>
 <p:notes xmlns:a="http://schemas.openxmlformats.org/drawingml/2006/main" xmlns:r="http://schemas.openxmlformats.org/officeDocument/2006/relationships" xmlns:p="http://schemas.openxmlformats.org/presentationml/2006/main">
   <p:cSld>
     <p:spTree>
@@ -1614,7 +1679,7 @@
 </p:notes>
 </file>
 
-<file path=ppt/notesSlides/notesSlide8.xml><?xml version="1.0" encoding="utf-8"?>
+<file path=ppt/notesSlides/notesSlide9.xml><?xml version="1.0" encoding="utf-8"?>
 <p:notes xmlns:a="http://schemas.openxmlformats.org/drawingml/2006/main" xmlns:r="http://schemas.openxmlformats.org/officeDocument/2006/relationships" xmlns:p="http://schemas.openxmlformats.org/presentationml/2006/main" showMasterSp="0" showMasterPhAnim="0">
   <p:cSld>
     <p:spTree>
@@ -6344,1556 +6409,6 @@
 </file>
 
 <file path=ppt/slideLayouts/slideLayout4.xml><?xml version="1.0" encoding="utf-8"?>
-<p:sldLayout xmlns:a="http://schemas.openxmlformats.org/drawingml/2006/main" xmlns:r="http://schemas.openxmlformats.org/officeDocument/2006/relationships" xmlns:p="http://schemas.openxmlformats.org/presentationml/2006/main" matchingName="Media">
-  <p:cSld name="SECTION_TITLE_AND_DESCRIPTION">
-    <p:spTree>
-      <p:nvGrpSpPr>
-        <p:cNvPr id="1" name="Shape 259"/>
-        <p:cNvGrpSpPr/>
-        <p:nvPr/>
-      </p:nvGrpSpPr>
-      <p:grpSpPr>
-        <a:xfrm>
-          <a:off x="0" y="0"/>
-          <a:ext cx="0" cy="0"/>
-          <a:chOff x="0" y="0"/>
-          <a:chExt cx="0" cy="0"/>
-        </a:xfrm>
-      </p:grpSpPr>
-      <p:grpSp>
-        <p:nvGrpSpPr>
-          <p:cNvPr id="35" name="Group 34">
-            <a:extLst>
-              <a:ext uri="{FF2B5EF4-FFF2-40B4-BE49-F238E27FC236}">
-                <a16:creationId xmlns:a16="http://schemas.microsoft.com/office/drawing/2014/main" id="{57AEFAE3-FDE3-B361-7902-7C130BC887BE}"/>
-              </a:ext>
-            </a:extLst>
-          </p:cNvPr>
-          <p:cNvGrpSpPr/>
-          <p:nvPr userDrawn="1"/>
-        </p:nvGrpSpPr>
-        <p:grpSpPr>
-          <a:xfrm>
-            <a:off x="4905023" y="6464"/>
-            <a:ext cx="4239036" cy="5137182"/>
-            <a:chOff x="4905023" y="6464"/>
-            <a:chExt cx="4239036" cy="5137182"/>
-          </a:xfrm>
-        </p:grpSpPr>
-        <p:cxnSp>
-          <p:nvCxnSpPr>
-            <p:cNvPr id="36" name="Google Shape;41;p33">
-              <a:extLst>
-                <a:ext uri="{FF2B5EF4-FFF2-40B4-BE49-F238E27FC236}">
-                  <a16:creationId xmlns:a16="http://schemas.microsoft.com/office/drawing/2014/main" id="{21F933DD-CEA5-6B43-6919-A599241E4ACE}"/>
-                </a:ext>
-              </a:extLst>
-            </p:cNvPr>
-            <p:cNvCxnSpPr>
-              <a:cxnSpLocks/>
-            </p:cNvCxnSpPr>
-            <p:nvPr userDrawn="1"/>
-          </p:nvCxnSpPr>
-          <p:spPr>
-            <a:xfrm>
-              <a:off x="4905023" y="6516"/>
-              <a:ext cx="1592297" cy="150964"/>
-            </a:xfrm>
-            <a:prstGeom prst="straightConnector1">
-              <a:avLst/>
-            </a:prstGeom>
-            <a:noFill/>
-            <a:ln w="9525" cap="flat" cmpd="sng">
-              <a:solidFill>
-                <a:srgbClr val="D6D6D6">
-                  <a:alpha val="49803"/>
-                </a:srgbClr>
-              </a:solidFill>
-              <a:prstDash val="dash"/>
-              <a:round/>
-              <a:headEnd type="none" w="sm" len="sm"/>
-              <a:tailEnd type="none" w="sm" len="sm"/>
-            </a:ln>
-          </p:spPr>
-        </p:cxnSp>
-        <p:cxnSp>
-          <p:nvCxnSpPr>
-            <p:cNvPr id="37" name="Google Shape;43;p33">
-              <a:extLst>
-                <a:ext uri="{FF2B5EF4-FFF2-40B4-BE49-F238E27FC236}">
-                  <a16:creationId xmlns:a16="http://schemas.microsoft.com/office/drawing/2014/main" id="{661825AE-2F43-B68B-4A76-108E15045544}"/>
-                </a:ext>
-              </a:extLst>
-            </p:cNvPr>
-            <p:cNvCxnSpPr>
-              <a:cxnSpLocks/>
-            </p:cNvCxnSpPr>
-            <p:nvPr userDrawn="1"/>
-          </p:nvCxnSpPr>
-          <p:spPr>
-            <a:xfrm flipH="1" flipV="1">
-              <a:off x="6502400" y="167640"/>
-              <a:ext cx="1915160" cy="426720"/>
-            </a:xfrm>
-            <a:prstGeom prst="straightConnector1">
-              <a:avLst/>
-            </a:prstGeom>
-            <a:noFill/>
-            <a:ln w="9525" cap="flat" cmpd="sng">
-              <a:solidFill>
-                <a:srgbClr val="D6D6D6">
-                  <a:alpha val="49803"/>
-                </a:srgbClr>
-              </a:solidFill>
-              <a:prstDash val="dash"/>
-              <a:round/>
-              <a:headEnd type="none" w="sm" len="sm"/>
-              <a:tailEnd type="none" w="sm" len="sm"/>
-            </a:ln>
-          </p:spPr>
-        </p:cxnSp>
-        <p:cxnSp>
-          <p:nvCxnSpPr>
-            <p:cNvPr id="38" name="Google Shape;45;p33">
-              <a:extLst>
-                <a:ext uri="{FF2B5EF4-FFF2-40B4-BE49-F238E27FC236}">
-                  <a16:creationId xmlns:a16="http://schemas.microsoft.com/office/drawing/2014/main" id="{484CB468-2466-68B8-3DA2-3E37E65B3FF5}"/>
-                </a:ext>
-              </a:extLst>
-            </p:cNvPr>
-            <p:cNvCxnSpPr>
-              <a:cxnSpLocks/>
-            </p:cNvCxnSpPr>
-            <p:nvPr userDrawn="1"/>
-          </p:nvCxnSpPr>
-          <p:spPr>
-            <a:xfrm flipH="1">
-              <a:off x="6832600" y="4302760"/>
-              <a:ext cx="1930400" cy="101600"/>
-            </a:xfrm>
-            <a:prstGeom prst="straightConnector1">
-              <a:avLst/>
-            </a:prstGeom>
-            <a:noFill/>
-            <a:ln w="9525" cap="flat" cmpd="sng">
-              <a:solidFill>
-                <a:srgbClr val="D6D6D6">
-                  <a:alpha val="49803"/>
-                </a:srgbClr>
-              </a:solidFill>
-              <a:prstDash val="dash"/>
-              <a:round/>
-              <a:headEnd type="none" w="sm" len="sm"/>
-              <a:tailEnd type="none" w="sm" len="sm"/>
-            </a:ln>
-          </p:spPr>
-        </p:cxnSp>
-        <p:cxnSp>
-          <p:nvCxnSpPr>
-            <p:cNvPr id="39" name="Google Shape;48;p33">
-              <a:extLst>
-                <a:ext uri="{FF2B5EF4-FFF2-40B4-BE49-F238E27FC236}">
-                  <a16:creationId xmlns:a16="http://schemas.microsoft.com/office/drawing/2014/main" id="{946F9592-C87B-A1B4-A56E-9A97BD0ECA92}"/>
-                </a:ext>
-              </a:extLst>
-            </p:cNvPr>
-            <p:cNvCxnSpPr>
-              <a:cxnSpLocks/>
-            </p:cNvCxnSpPr>
-            <p:nvPr userDrawn="1"/>
-          </p:nvCxnSpPr>
-          <p:spPr>
-            <a:xfrm>
-              <a:off x="8422640" y="594360"/>
-              <a:ext cx="340360" cy="3703320"/>
-            </a:xfrm>
-            <a:prstGeom prst="straightConnector1">
-              <a:avLst/>
-            </a:prstGeom>
-            <a:noFill/>
-            <a:ln w="9525" cap="flat" cmpd="sng">
-              <a:solidFill>
-                <a:srgbClr val="D6D6D6">
-                  <a:alpha val="49803"/>
-                </a:srgbClr>
-              </a:solidFill>
-              <a:prstDash val="dash"/>
-              <a:round/>
-              <a:headEnd type="none" w="sm" len="sm"/>
-              <a:tailEnd type="none" w="sm" len="sm"/>
-            </a:ln>
-          </p:spPr>
-        </p:cxnSp>
-        <p:cxnSp>
-          <p:nvCxnSpPr>
-            <p:cNvPr id="40" name="Google Shape;49;p33">
-              <a:extLst>
-                <a:ext uri="{FF2B5EF4-FFF2-40B4-BE49-F238E27FC236}">
-                  <a16:creationId xmlns:a16="http://schemas.microsoft.com/office/drawing/2014/main" id="{15C59FFC-15BA-C8FA-2B4F-532A44092AD8}"/>
-                </a:ext>
-              </a:extLst>
-            </p:cNvPr>
-            <p:cNvCxnSpPr>
-              <a:cxnSpLocks/>
-            </p:cNvCxnSpPr>
-            <p:nvPr userDrawn="1"/>
-          </p:nvCxnSpPr>
-          <p:spPr>
-            <a:xfrm flipV="1">
-              <a:off x="5146626" y="4404360"/>
-              <a:ext cx="1677084" cy="739046"/>
-            </a:xfrm>
-            <a:prstGeom prst="straightConnector1">
-              <a:avLst/>
-            </a:prstGeom>
-            <a:noFill/>
-            <a:ln w="9525" cap="flat" cmpd="sng">
-              <a:solidFill>
-                <a:srgbClr val="D6D6D6">
-                  <a:alpha val="49803"/>
-                </a:srgbClr>
-              </a:solidFill>
-              <a:prstDash val="dash"/>
-              <a:round/>
-              <a:headEnd type="none" w="sm" len="sm"/>
-              <a:tailEnd type="none" w="sm" len="sm"/>
-            </a:ln>
-          </p:spPr>
-        </p:cxnSp>
-        <p:cxnSp>
-          <p:nvCxnSpPr>
-            <p:cNvPr id="41" name="Google Shape;50;p33">
-              <a:extLst>
-                <a:ext uri="{FF2B5EF4-FFF2-40B4-BE49-F238E27FC236}">
-                  <a16:creationId xmlns:a16="http://schemas.microsoft.com/office/drawing/2014/main" id="{D8CF26F1-ADAF-ADF5-437F-279363A13CDB}"/>
-                </a:ext>
-              </a:extLst>
-            </p:cNvPr>
-            <p:cNvCxnSpPr>
-              <a:cxnSpLocks/>
-            </p:cNvCxnSpPr>
-            <p:nvPr userDrawn="1"/>
-          </p:nvCxnSpPr>
-          <p:spPr>
-            <a:xfrm flipH="1">
-              <a:off x="6502400" y="6516"/>
-              <a:ext cx="1583103" cy="150964"/>
-            </a:xfrm>
-            <a:prstGeom prst="straightConnector1">
-              <a:avLst/>
-            </a:prstGeom>
-            <a:noFill/>
-            <a:ln w="9525" cap="flat" cmpd="sng">
-              <a:solidFill>
-                <a:srgbClr val="D6D6D6">
-                  <a:alpha val="49803"/>
-                </a:srgbClr>
-              </a:solidFill>
-              <a:prstDash val="dash"/>
-              <a:round/>
-              <a:headEnd type="none" w="sm" len="sm"/>
-              <a:tailEnd type="none" w="sm" len="sm"/>
-            </a:ln>
-          </p:spPr>
-        </p:cxnSp>
-        <p:cxnSp>
-          <p:nvCxnSpPr>
-            <p:cNvPr id="42" name="Google Shape;51;p33">
-              <a:extLst>
-                <a:ext uri="{FF2B5EF4-FFF2-40B4-BE49-F238E27FC236}">
-                  <a16:creationId xmlns:a16="http://schemas.microsoft.com/office/drawing/2014/main" id="{26A7C300-358D-0852-40E3-57B603EE8777}"/>
-                </a:ext>
-              </a:extLst>
-            </p:cNvPr>
-            <p:cNvCxnSpPr>
-              <a:cxnSpLocks/>
-            </p:cNvCxnSpPr>
-            <p:nvPr userDrawn="1"/>
-          </p:nvCxnSpPr>
-          <p:spPr>
-            <a:xfrm flipV="1">
-              <a:off x="8422640" y="6464"/>
-              <a:ext cx="721325" cy="587896"/>
-            </a:xfrm>
-            <a:prstGeom prst="straightConnector1">
-              <a:avLst/>
-            </a:prstGeom>
-            <a:noFill/>
-            <a:ln w="9525" cap="flat" cmpd="sng">
-              <a:solidFill>
-                <a:srgbClr val="D6D6D6">
-                  <a:alpha val="49803"/>
-                </a:srgbClr>
-              </a:solidFill>
-              <a:prstDash val="dash"/>
-              <a:round/>
-              <a:headEnd type="none" w="sm" len="sm"/>
-              <a:tailEnd type="none" w="sm" len="sm"/>
-            </a:ln>
-          </p:spPr>
-        </p:cxnSp>
-        <p:cxnSp>
-          <p:nvCxnSpPr>
-            <p:cNvPr id="43" name="Google Shape;52;p33">
-              <a:extLst>
-                <a:ext uri="{FF2B5EF4-FFF2-40B4-BE49-F238E27FC236}">
-                  <a16:creationId xmlns:a16="http://schemas.microsoft.com/office/drawing/2014/main" id="{7406DC64-44D7-82EF-0859-5461EB4F2BFC}"/>
-                </a:ext>
-              </a:extLst>
-            </p:cNvPr>
-            <p:cNvCxnSpPr>
-              <a:cxnSpLocks/>
-            </p:cNvCxnSpPr>
-            <p:nvPr userDrawn="1"/>
-          </p:nvCxnSpPr>
-          <p:spPr>
-            <a:xfrm flipV="1">
-              <a:off x="8768080" y="3625083"/>
-              <a:ext cx="375979" cy="677677"/>
-            </a:xfrm>
-            <a:prstGeom prst="straightConnector1">
-              <a:avLst/>
-            </a:prstGeom>
-            <a:noFill/>
-            <a:ln w="9525" cap="flat" cmpd="sng">
-              <a:solidFill>
-                <a:srgbClr val="D6D6D6">
-                  <a:alpha val="49803"/>
-                </a:srgbClr>
-              </a:solidFill>
-              <a:prstDash val="dash"/>
-              <a:round/>
-              <a:headEnd type="none" w="sm" len="sm"/>
-              <a:tailEnd type="none" w="sm" len="sm"/>
-            </a:ln>
-          </p:spPr>
-        </p:cxnSp>
-        <p:cxnSp>
-          <p:nvCxnSpPr>
-            <p:cNvPr id="44" name="Google Shape;53;p33">
-              <a:extLst>
-                <a:ext uri="{FF2B5EF4-FFF2-40B4-BE49-F238E27FC236}">
-                  <a16:creationId xmlns:a16="http://schemas.microsoft.com/office/drawing/2014/main" id="{274A0A01-577A-1074-813F-2191B36DD3E5}"/>
-                </a:ext>
-              </a:extLst>
-            </p:cNvPr>
-            <p:cNvCxnSpPr>
-              <a:cxnSpLocks/>
-            </p:cNvCxnSpPr>
-            <p:nvPr userDrawn="1"/>
-          </p:nvCxnSpPr>
-          <p:spPr>
-            <a:xfrm flipH="1" flipV="1">
-              <a:off x="6832600" y="4399280"/>
-              <a:ext cx="87266" cy="744366"/>
-            </a:xfrm>
-            <a:prstGeom prst="straightConnector1">
-              <a:avLst/>
-            </a:prstGeom>
-            <a:noFill/>
-            <a:ln w="9525" cap="flat" cmpd="sng">
-              <a:solidFill>
-                <a:srgbClr val="D6D6D6">
-                  <a:alpha val="49803"/>
-                </a:srgbClr>
-              </a:solidFill>
-              <a:prstDash val="dash"/>
-              <a:round/>
-              <a:headEnd type="none" w="sm" len="sm"/>
-              <a:tailEnd type="none" w="sm" len="sm"/>
-            </a:ln>
-          </p:spPr>
-        </p:cxnSp>
-        <p:sp>
-          <p:nvSpPr>
-            <p:cNvPr id="45" name="Google Shape;47;p33">
-              <a:extLst>
-                <a:ext uri="{FF2B5EF4-FFF2-40B4-BE49-F238E27FC236}">
-                  <a16:creationId xmlns:a16="http://schemas.microsoft.com/office/drawing/2014/main" id="{E4C462CC-487B-6D68-EF60-FB3FD2548F35}"/>
-                </a:ext>
-              </a:extLst>
-            </p:cNvPr>
-            <p:cNvSpPr/>
-            <p:nvPr userDrawn="1"/>
-          </p:nvSpPr>
-          <p:spPr>
-            <a:xfrm>
-              <a:off x="6736926" y="4310966"/>
-              <a:ext cx="182880" cy="182880"/>
-            </a:xfrm>
-            <a:prstGeom prst="ellipse">
-              <a:avLst/>
-            </a:prstGeom>
-            <a:solidFill>
-              <a:schemeClr val="lt1"/>
-            </a:solidFill>
-            <a:ln w="9525" cap="flat" cmpd="sng">
-              <a:solidFill>
-                <a:srgbClr val="D6D6D6">
-                  <a:alpha val="49803"/>
-                </a:srgbClr>
-              </a:solidFill>
-              <a:prstDash val="solid"/>
-              <a:round/>
-              <a:headEnd type="none" w="sm" len="sm"/>
-              <a:tailEnd type="none" w="sm" len="sm"/>
-            </a:ln>
-          </p:spPr>
-          <p:txBody>
-            <a:bodyPr spcFirstLastPara="1" wrap="square" lIns="91425" tIns="45700" rIns="91425" bIns="45700" anchor="ctr" anchorCtr="0">
-              <a:noAutofit/>
-            </a:bodyPr>
-            <a:lstStyle/>
-            <a:p>
-              <a:pPr marL="0" marR="0" lvl="0" indent="0" algn="ctr" rtl="0">
-                <a:lnSpc>
-                  <a:spcPct val="100000"/>
-                </a:lnSpc>
-                <a:spcBef>
-                  <a:spcPts val="0"/>
-                </a:spcBef>
-                <a:spcAft>
-                  <a:spcPts val="0"/>
-                </a:spcAft>
-                <a:buClr>
-                  <a:srgbClr val="000000"/>
-                </a:buClr>
-                <a:buSzPts val="1400"/>
-                <a:buFont typeface="Arial"/>
-                <a:buNone/>
-              </a:pPr>
-              <a:endParaRPr sz="1400" b="0" i="0" u="none" strike="noStrike" cap="none">
-                <a:solidFill>
-                  <a:schemeClr val="lt1"/>
-                </a:solidFill>
-                <a:latin typeface="Arial"/>
-                <a:ea typeface="Arial"/>
-                <a:cs typeface="Arial"/>
-                <a:sym typeface="Arial"/>
-              </a:endParaRPr>
-            </a:p>
-          </p:txBody>
-        </p:sp>
-        <p:sp>
-          <p:nvSpPr>
-            <p:cNvPr id="46" name="Google Shape;46;p33">
-              <a:extLst>
-                <a:ext uri="{FF2B5EF4-FFF2-40B4-BE49-F238E27FC236}">
-                  <a16:creationId xmlns:a16="http://schemas.microsoft.com/office/drawing/2014/main" id="{4F3ADFA1-4431-8D89-209D-696748BC4BB1}"/>
-                </a:ext>
-              </a:extLst>
-            </p:cNvPr>
-            <p:cNvSpPr/>
-            <p:nvPr userDrawn="1"/>
-          </p:nvSpPr>
-          <p:spPr>
-            <a:xfrm>
-              <a:off x="8667861" y="4213601"/>
-              <a:ext cx="182880" cy="182880"/>
-            </a:xfrm>
-            <a:prstGeom prst="ellipse">
-              <a:avLst/>
-            </a:prstGeom>
-            <a:solidFill>
-              <a:schemeClr val="lt1"/>
-            </a:solidFill>
-            <a:ln w="9525" cap="flat" cmpd="sng">
-              <a:solidFill>
-                <a:srgbClr val="D6D6D6">
-                  <a:alpha val="49803"/>
-                </a:srgbClr>
-              </a:solidFill>
-              <a:prstDash val="solid"/>
-              <a:round/>
-              <a:headEnd type="none" w="sm" len="sm"/>
-              <a:tailEnd type="none" w="sm" len="sm"/>
-            </a:ln>
-          </p:spPr>
-          <p:txBody>
-            <a:bodyPr spcFirstLastPara="1" wrap="square" lIns="91425" tIns="45700" rIns="91425" bIns="45700" anchor="ctr" anchorCtr="0">
-              <a:noAutofit/>
-            </a:bodyPr>
-            <a:lstStyle/>
-            <a:p>
-              <a:pPr marL="0" marR="0" lvl="0" indent="0" algn="ctr" rtl="0">
-                <a:lnSpc>
-                  <a:spcPct val="100000"/>
-                </a:lnSpc>
-                <a:spcBef>
-                  <a:spcPts val="0"/>
-                </a:spcBef>
-                <a:spcAft>
-                  <a:spcPts val="0"/>
-                </a:spcAft>
-                <a:buClr>
-                  <a:srgbClr val="000000"/>
-                </a:buClr>
-                <a:buSzPts val="1400"/>
-                <a:buFont typeface="Arial"/>
-                <a:buNone/>
-              </a:pPr>
-              <a:endParaRPr sz="1400" b="0" i="0" u="none" strike="noStrike" cap="none">
-                <a:solidFill>
-                  <a:schemeClr val="lt1"/>
-                </a:solidFill>
-                <a:latin typeface="Arial"/>
-                <a:ea typeface="Arial"/>
-                <a:cs typeface="Arial"/>
-                <a:sym typeface="Arial"/>
-              </a:endParaRPr>
-            </a:p>
-          </p:txBody>
-        </p:sp>
-        <p:sp>
-          <p:nvSpPr>
-            <p:cNvPr id="47" name="Google Shape;44;p33">
-              <a:extLst>
-                <a:ext uri="{FF2B5EF4-FFF2-40B4-BE49-F238E27FC236}">
-                  <a16:creationId xmlns:a16="http://schemas.microsoft.com/office/drawing/2014/main" id="{1FE7F601-F33D-F3D3-2805-E41A91D7D58B}"/>
-                </a:ext>
-              </a:extLst>
-            </p:cNvPr>
-            <p:cNvSpPr/>
-            <p:nvPr userDrawn="1"/>
-          </p:nvSpPr>
-          <p:spPr>
-            <a:xfrm>
-              <a:off x="8329367" y="502582"/>
-              <a:ext cx="182880" cy="182880"/>
-            </a:xfrm>
-            <a:prstGeom prst="ellipse">
-              <a:avLst/>
-            </a:prstGeom>
-            <a:solidFill>
-              <a:schemeClr val="lt1"/>
-            </a:solidFill>
-            <a:ln w="9525" cap="flat" cmpd="sng">
-              <a:solidFill>
-                <a:srgbClr val="D6D6D6">
-                  <a:alpha val="49803"/>
-                </a:srgbClr>
-              </a:solidFill>
-              <a:prstDash val="solid"/>
-              <a:round/>
-              <a:headEnd type="none" w="sm" len="sm"/>
-              <a:tailEnd type="none" w="sm" len="sm"/>
-            </a:ln>
-          </p:spPr>
-          <p:txBody>
-            <a:bodyPr spcFirstLastPara="1" wrap="square" lIns="91425" tIns="45700" rIns="91425" bIns="45700" anchor="ctr" anchorCtr="0">
-              <a:noAutofit/>
-            </a:bodyPr>
-            <a:lstStyle/>
-            <a:p>
-              <a:pPr marL="0" marR="0" lvl="0" indent="0" algn="ctr" rtl="0">
-                <a:lnSpc>
-                  <a:spcPct val="100000"/>
-                </a:lnSpc>
-                <a:spcBef>
-                  <a:spcPts val="0"/>
-                </a:spcBef>
-                <a:spcAft>
-                  <a:spcPts val="0"/>
-                </a:spcAft>
-                <a:buClr>
-                  <a:srgbClr val="000000"/>
-                </a:buClr>
-                <a:buSzPts val="1400"/>
-                <a:buFont typeface="Arial"/>
-                <a:buNone/>
-              </a:pPr>
-              <a:endParaRPr sz="1400" b="0" i="0" u="none" strike="noStrike" cap="none">
-                <a:solidFill>
-                  <a:schemeClr val="lt1"/>
-                </a:solidFill>
-                <a:latin typeface="Arial"/>
-                <a:ea typeface="Arial"/>
-                <a:cs typeface="Arial"/>
-                <a:sym typeface="Arial"/>
-              </a:endParaRPr>
-            </a:p>
-          </p:txBody>
-        </p:sp>
-        <p:sp>
-          <p:nvSpPr>
-            <p:cNvPr id="48" name="Google Shape;42;p33">
-              <a:extLst>
-                <a:ext uri="{FF2B5EF4-FFF2-40B4-BE49-F238E27FC236}">
-                  <a16:creationId xmlns:a16="http://schemas.microsoft.com/office/drawing/2014/main" id="{8772885C-1E08-442A-BB20-0DD8077AB019}"/>
-                </a:ext>
-              </a:extLst>
-            </p:cNvPr>
-            <p:cNvSpPr/>
-            <p:nvPr userDrawn="1"/>
-          </p:nvSpPr>
-          <p:spPr>
-            <a:xfrm>
-              <a:off x="6403823" y="71076"/>
-              <a:ext cx="182880" cy="182880"/>
-            </a:xfrm>
-            <a:prstGeom prst="ellipse">
-              <a:avLst/>
-            </a:prstGeom>
-            <a:solidFill>
-              <a:schemeClr val="lt1"/>
-            </a:solidFill>
-            <a:ln w="9525" cap="flat" cmpd="sng">
-              <a:solidFill>
-                <a:srgbClr val="D6D6D6">
-                  <a:alpha val="49803"/>
-                </a:srgbClr>
-              </a:solidFill>
-              <a:prstDash val="solid"/>
-              <a:round/>
-              <a:headEnd type="none" w="sm" len="sm"/>
-              <a:tailEnd type="none" w="sm" len="sm"/>
-            </a:ln>
-          </p:spPr>
-          <p:txBody>
-            <a:bodyPr spcFirstLastPara="1" wrap="square" lIns="91425" tIns="45700" rIns="91425" bIns="45700" anchor="ctr" anchorCtr="0">
-              <a:noAutofit/>
-            </a:bodyPr>
-            <a:lstStyle/>
-            <a:p>
-              <a:pPr marL="0" marR="0" lvl="0" indent="0" algn="ctr" rtl="0">
-                <a:lnSpc>
-                  <a:spcPct val="100000"/>
-                </a:lnSpc>
-                <a:spcBef>
-                  <a:spcPts val="0"/>
-                </a:spcBef>
-                <a:spcAft>
-                  <a:spcPts val="0"/>
-                </a:spcAft>
-                <a:buClr>
-                  <a:srgbClr val="000000"/>
-                </a:buClr>
-                <a:buSzPts val="1400"/>
-                <a:buFont typeface="Arial"/>
-                <a:buNone/>
-              </a:pPr>
-              <a:endParaRPr sz="1400" b="0" i="0" u="none" strike="noStrike" cap="none">
-                <a:solidFill>
-                  <a:schemeClr val="lt1"/>
-                </a:solidFill>
-                <a:latin typeface="Arial"/>
-                <a:ea typeface="Arial"/>
-                <a:cs typeface="Arial"/>
-                <a:sym typeface="Arial"/>
-              </a:endParaRPr>
-            </a:p>
-          </p:txBody>
-        </p:sp>
-      </p:grpSp>
-      <p:sp>
-        <p:nvSpPr>
-          <p:cNvPr id="274" name="Google Shape;274;p44"/>
-          <p:cNvSpPr/>
-          <p:nvPr/>
-        </p:nvSpPr>
-        <p:spPr>
-          <a:xfrm>
-            <a:off x="25" y="-25"/>
-            <a:ext cx="348600" cy="5143500"/>
-          </a:xfrm>
-          <a:prstGeom prst="rect">
-            <a:avLst/>
-          </a:prstGeom>
-          <a:solidFill>
-            <a:srgbClr val="152DC8"/>
-          </a:solidFill>
-          <a:ln>
-            <a:noFill/>
-          </a:ln>
-        </p:spPr>
-        <p:txBody>
-          <a:bodyPr spcFirstLastPara="1" wrap="square" lIns="91425" tIns="91425" rIns="91425" bIns="91425" anchor="ctr" anchorCtr="0">
-            <a:noAutofit/>
-          </a:bodyPr>
-          <a:lstStyle/>
-          <a:p>
-            <a:pPr marL="0" marR="0" lvl="0" indent="0" algn="l" rtl="0">
-              <a:lnSpc>
-                <a:spcPct val="100000"/>
-              </a:lnSpc>
-              <a:spcBef>
-                <a:spcPts val="0"/>
-              </a:spcBef>
-              <a:spcAft>
-                <a:spcPts val="0"/>
-              </a:spcAft>
-              <a:buClr>
-                <a:srgbClr val="000000"/>
-              </a:buClr>
-              <a:buSzPts val="1400"/>
-              <a:buFont typeface="Arial"/>
-              <a:buNone/>
-            </a:pPr>
-            <a:endParaRPr sz="1400" b="0" i="0" u="none" strike="noStrike" cap="none">
-              <a:solidFill>
-                <a:srgbClr val="000000"/>
-              </a:solidFill>
-              <a:latin typeface="Arial"/>
-              <a:ea typeface="Arial"/>
-              <a:cs typeface="Arial"/>
-              <a:sym typeface="Arial"/>
-            </a:endParaRPr>
-          </a:p>
-        </p:txBody>
-      </p:sp>
-      <p:sp>
-        <p:nvSpPr>
-          <p:cNvPr id="275" name="Google Shape;275;p44"/>
-          <p:cNvSpPr txBox="1">
-            <a:spLocks noGrp="1"/>
-          </p:cNvSpPr>
-          <p:nvPr>
-            <p:ph type="sldNum" idx="12"/>
-          </p:nvPr>
-        </p:nvSpPr>
-        <p:spPr>
-          <a:xfrm>
-            <a:off x="28" y="4736024"/>
-            <a:ext cx="348600" cy="393600"/>
-          </a:xfrm>
-          <a:prstGeom prst="rect">
-            <a:avLst/>
-          </a:prstGeom>
-          <a:noFill/>
-          <a:ln>
-            <a:noFill/>
-          </a:ln>
-        </p:spPr>
-        <p:txBody>
-          <a:bodyPr spcFirstLastPara="1" wrap="square" lIns="0" tIns="0" rIns="0" bIns="0" anchor="ctr" anchorCtr="0">
-            <a:normAutofit/>
-          </a:bodyPr>
-          <a:lstStyle>
-            <a:lvl1pPr marL="0" marR="0" lvl="0" indent="0" algn="ctr">
-              <a:lnSpc>
-                <a:spcPct val="100000"/>
-              </a:lnSpc>
-              <a:spcBef>
-                <a:spcPts val="0"/>
-              </a:spcBef>
-              <a:spcAft>
-                <a:spcPts val="0"/>
-              </a:spcAft>
-              <a:buClr>
-                <a:srgbClr val="000000"/>
-              </a:buClr>
-              <a:buSzPts val="800"/>
-              <a:buFont typeface="Arial"/>
-              <a:buNone/>
-              <a:defRPr sz="800" b="0" i="0" u="none" strike="noStrike" cap="none">
-                <a:solidFill>
-                  <a:srgbClr val="FFFFFF"/>
-                </a:solidFill>
-                <a:latin typeface="Arial"/>
-                <a:ea typeface="Arial"/>
-                <a:cs typeface="Arial"/>
-                <a:sym typeface="Arial"/>
-              </a:defRPr>
-            </a:lvl1pPr>
-            <a:lvl2pPr marL="0" marR="0" lvl="1" indent="0" algn="ctr">
-              <a:lnSpc>
-                <a:spcPct val="100000"/>
-              </a:lnSpc>
-              <a:spcBef>
-                <a:spcPts val="0"/>
-              </a:spcBef>
-              <a:spcAft>
-                <a:spcPts val="0"/>
-              </a:spcAft>
-              <a:buClr>
-                <a:srgbClr val="000000"/>
-              </a:buClr>
-              <a:buSzPts val="800"/>
-              <a:buFont typeface="Arial"/>
-              <a:buNone/>
-              <a:defRPr sz="800" b="0" i="0" u="none" strike="noStrike" cap="none">
-                <a:solidFill>
-                  <a:srgbClr val="FFFFFF"/>
-                </a:solidFill>
-                <a:latin typeface="Arial"/>
-                <a:ea typeface="Arial"/>
-                <a:cs typeface="Arial"/>
-                <a:sym typeface="Arial"/>
-              </a:defRPr>
-            </a:lvl2pPr>
-            <a:lvl3pPr marL="0" marR="0" lvl="2" indent="0" algn="ctr">
-              <a:lnSpc>
-                <a:spcPct val="100000"/>
-              </a:lnSpc>
-              <a:spcBef>
-                <a:spcPts val="0"/>
-              </a:spcBef>
-              <a:spcAft>
-                <a:spcPts val="0"/>
-              </a:spcAft>
-              <a:buClr>
-                <a:srgbClr val="000000"/>
-              </a:buClr>
-              <a:buSzPts val="800"/>
-              <a:buFont typeface="Arial"/>
-              <a:buNone/>
-              <a:defRPr sz="800" b="0" i="0" u="none" strike="noStrike" cap="none">
-                <a:solidFill>
-                  <a:srgbClr val="FFFFFF"/>
-                </a:solidFill>
-                <a:latin typeface="Arial"/>
-                <a:ea typeface="Arial"/>
-                <a:cs typeface="Arial"/>
-                <a:sym typeface="Arial"/>
-              </a:defRPr>
-            </a:lvl3pPr>
-            <a:lvl4pPr marL="0" marR="0" lvl="3" indent="0" algn="ctr">
-              <a:lnSpc>
-                <a:spcPct val="100000"/>
-              </a:lnSpc>
-              <a:spcBef>
-                <a:spcPts val="0"/>
-              </a:spcBef>
-              <a:spcAft>
-                <a:spcPts val="0"/>
-              </a:spcAft>
-              <a:buClr>
-                <a:srgbClr val="000000"/>
-              </a:buClr>
-              <a:buSzPts val="800"/>
-              <a:buFont typeface="Arial"/>
-              <a:buNone/>
-              <a:defRPr sz="800" b="0" i="0" u="none" strike="noStrike" cap="none">
-                <a:solidFill>
-                  <a:srgbClr val="FFFFFF"/>
-                </a:solidFill>
-                <a:latin typeface="Arial"/>
-                <a:ea typeface="Arial"/>
-                <a:cs typeface="Arial"/>
-                <a:sym typeface="Arial"/>
-              </a:defRPr>
-            </a:lvl4pPr>
-            <a:lvl5pPr marL="0" marR="0" lvl="4" indent="0" algn="ctr">
-              <a:lnSpc>
-                <a:spcPct val="100000"/>
-              </a:lnSpc>
-              <a:spcBef>
-                <a:spcPts val="0"/>
-              </a:spcBef>
-              <a:spcAft>
-                <a:spcPts val="0"/>
-              </a:spcAft>
-              <a:buClr>
-                <a:srgbClr val="000000"/>
-              </a:buClr>
-              <a:buSzPts val="800"/>
-              <a:buFont typeface="Arial"/>
-              <a:buNone/>
-              <a:defRPr sz="800" b="0" i="0" u="none" strike="noStrike" cap="none">
-                <a:solidFill>
-                  <a:srgbClr val="FFFFFF"/>
-                </a:solidFill>
-                <a:latin typeface="Arial"/>
-                <a:ea typeface="Arial"/>
-                <a:cs typeface="Arial"/>
-                <a:sym typeface="Arial"/>
-              </a:defRPr>
-            </a:lvl5pPr>
-            <a:lvl6pPr marL="0" marR="0" lvl="5" indent="0" algn="ctr">
-              <a:lnSpc>
-                <a:spcPct val="100000"/>
-              </a:lnSpc>
-              <a:spcBef>
-                <a:spcPts val="0"/>
-              </a:spcBef>
-              <a:spcAft>
-                <a:spcPts val="0"/>
-              </a:spcAft>
-              <a:buClr>
-                <a:srgbClr val="000000"/>
-              </a:buClr>
-              <a:buSzPts val="800"/>
-              <a:buFont typeface="Arial"/>
-              <a:buNone/>
-              <a:defRPr sz="800" b="0" i="0" u="none" strike="noStrike" cap="none">
-                <a:solidFill>
-                  <a:srgbClr val="FFFFFF"/>
-                </a:solidFill>
-                <a:latin typeface="Arial"/>
-                <a:ea typeface="Arial"/>
-                <a:cs typeface="Arial"/>
-                <a:sym typeface="Arial"/>
-              </a:defRPr>
-            </a:lvl6pPr>
-            <a:lvl7pPr marL="0" marR="0" lvl="6" indent="0" algn="ctr">
-              <a:lnSpc>
-                <a:spcPct val="100000"/>
-              </a:lnSpc>
-              <a:spcBef>
-                <a:spcPts val="0"/>
-              </a:spcBef>
-              <a:spcAft>
-                <a:spcPts val="0"/>
-              </a:spcAft>
-              <a:buClr>
-                <a:srgbClr val="000000"/>
-              </a:buClr>
-              <a:buSzPts val="800"/>
-              <a:buFont typeface="Arial"/>
-              <a:buNone/>
-              <a:defRPr sz="800" b="0" i="0" u="none" strike="noStrike" cap="none">
-                <a:solidFill>
-                  <a:srgbClr val="FFFFFF"/>
-                </a:solidFill>
-                <a:latin typeface="Arial"/>
-                <a:ea typeface="Arial"/>
-                <a:cs typeface="Arial"/>
-                <a:sym typeface="Arial"/>
-              </a:defRPr>
-            </a:lvl7pPr>
-            <a:lvl8pPr marL="0" marR="0" lvl="7" indent="0" algn="ctr">
-              <a:lnSpc>
-                <a:spcPct val="100000"/>
-              </a:lnSpc>
-              <a:spcBef>
-                <a:spcPts val="0"/>
-              </a:spcBef>
-              <a:spcAft>
-                <a:spcPts val="0"/>
-              </a:spcAft>
-              <a:buClr>
-                <a:srgbClr val="000000"/>
-              </a:buClr>
-              <a:buSzPts val="800"/>
-              <a:buFont typeface="Arial"/>
-              <a:buNone/>
-              <a:defRPr sz="800" b="0" i="0" u="none" strike="noStrike" cap="none">
-                <a:solidFill>
-                  <a:srgbClr val="FFFFFF"/>
-                </a:solidFill>
-                <a:latin typeface="Arial"/>
-                <a:ea typeface="Arial"/>
-                <a:cs typeface="Arial"/>
-                <a:sym typeface="Arial"/>
-              </a:defRPr>
-            </a:lvl8pPr>
-            <a:lvl9pPr marL="0" marR="0" lvl="8" indent="0" algn="ctr">
-              <a:lnSpc>
-                <a:spcPct val="100000"/>
-              </a:lnSpc>
-              <a:spcBef>
-                <a:spcPts val="0"/>
-              </a:spcBef>
-              <a:spcAft>
-                <a:spcPts val="0"/>
-              </a:spcAft>
-              <a:buClr>
-                <a:srgbClr val="000000"/>
-              </a:buClr>
-              <a:buSzPts val="800"/>
-              <a:buFont typeface="Arial"/>
-              <a:buNone/>
-              <a:defRPr sz="800" b="0" i="0" u="none" strike="noStrike" cap="none">
-                <a:solidFill>
-                  <a:srgbClr val="FFFFFF"/>
-                </a:solidFill>
-                <a:latin typeface="Arial"/>
-                <a:ea typeface="Arial"/>
-                <a:cs typeface="Arial"/>
-                <a:sym typeface="Arial"/>
-              </a:defRPr>
-            </a:lvl9pPr>
-          </a:lstStyle>
-          <a:p>
-            <a:pPr marL="0" lvl="0" indent="0" algn="ctr" rtl="0">
-              <a:spcBef>
-                <a:spcPts val="0"/>
-              </a:spcBef>
-              <a:spcAft>
-                <a:spcPts val="0"/>
-              </a:spcAft>
-              <a:buNone/>
-            </a:pPr>
-            <a:fld id="{00000000-1234-1234-1234-123412341234}" type="slidenum">
-              <a:rPr lang="en"/>
-              <a:t>‹#›</a:t>
-            </a:fld>
-            <a:endParaRPr/>
-          </a:p>
-        </p:txBody>
-      </p:sp>
-      <p:sp>
-        <p:nvSpPr>
-          <p:cNvPr id="276" name="Google Shape;276;p44"/>
-          <p:cNvSpPr txBox="1">
-            <a:spLocks noGrp="1"/>
-          </p:cNvSpPr>
-          <p:nvPr>
-            <p:ph type="title"/>
-          </p:nvPr>
-        </p:nvSpPr>
-        <p:spPr>
-          <a:xfrm>
-            <a:off x="5021125" y="368825"/>
-            <a:ext cx="3624900" cy="572700"/>
-          </a:xfrm>
-          <a:prstGeom prst="rect">
-            <a:avLst/>
-          </a:prstGeom>
-          <a:noFill/>
-          <a:ln>
-            <a:noFill/>
-          </a:ln>
-        </p:spPr>
-        <p:txBody>
-          <a:bodyPr spcFirstLastPara="1" wrap="square" lIns="91425" tIns="91425" rIns="91425" bIns="91425" anchor="t" anchorCtr="0">
-            <a:normAutofit/>
-          </a:bodyPr>
-          <a:lstStyle>
-            <a:lvl1pPr marR="0" lvl="0" algn="l" rtl="0">
-              <a:lnSpc>
-                <a:spcPct val="100000"/>
-              </a:lnSpc>
-              <a:spcBef>
-                <a:spcPts val="0"/>
-              </a:spcBef>
-              <a:spcAft>
-                <a:spcPts val="0"/>
-              </a:spcAft>
-              <a:buClr>
-                <a:schemeClr val="dk1"/>
-              </a:buClr>
-              <a:buSzPts val="2400"/>
-              <a:buFont typeface="Arial"/>
-              <a:buNone/>
-              <a:defRPr sz="2400" b="1" i="0" u="none" strike="noStrike" cap="none">
-                <a:solidFill>
-                  <a:schemeClr val="dk1"/>
-                </a:solidFill>
-                <a:latin typeface="Arial"/>
-                <a:ea typeface="Arial"/>
-                <a:cs typeface="Arial"/>
-                <a:sym typeface="Arial"/>
-              </a:defRPr>
-            </a:lvl1pPr>
-            <a:lvl2pPr marR="0" lvl="1" algn="l" rtl="0">
-              <a:lnSpc>
-                <a:spcPct val="100000"/>
-              </a:lnSpc>
-              <a:spcBef>
-                <a:spcPts val="0"/>
-              </a:spcBef>
-              <a:spcAft>
-                <a:spcPts val="0"/>
-              </a:spcAft>
-              <a:buClr>
-                <a:schemeClr val="dk1"/>
-              </a:buClr>
-              <a:buSzPts val="2800"/>
-              <a:buFont typeface="Arial"/>
-              <a:buNone/>
-              <a:defRPr sz="2800" b="0" i="0" u="none" strike="noStrike" cap="none">
-                <a:solidFill>
-                  <a:schemeClr val="dk1"/>
-                </a:solidFill>
-                <a:latin typeface="Arial"/>
-                <a:ea typeface="Arial"/>
-                <a:cs typeface="Arial"/>
-                <a:sym typeface="Arial"/>
-              </a:defRPr>
-            </a:lvl2pPr>
-            <a:lvl3pPr marR="0" lvl="2" algn="l" rtl="0">
-              <a:lnSpc>
-                <a:spcPct val="100000"/>
-              </a:lnSpc>
-              <a:spcBef>
-                <a:spcPts val="0"/>
-              </a:spcBef>
-              <a:spcAft>
-                <a:spcPts val="0"/>
-              </a:spcAft>
-              <a:buClr>
-                <a:schemeClr val="dk1"/>
-              </a:buClr>
-              <a:buSzPts val="2800"/>
-              <a:buFont typeface="Arial"/>
-              <a:buNone/>
-              <a:defRPr sz="2800" b="0" i="0" u="none" strike="noStrike" cap="none">
-                <a:solidFill>
-                  <a:schemeClr val="dk1"/>
-                </a:solidFill>
-                <a:latin typeface="Arial"/>
-                <a:ea typeface="Arial"/>
-                <a:cs typeface="Arial"/>
-                <a:sym typeface="Arial"/>
-              </a:defRPr>
-            </a:lvl3pPr>
-            <a:lvl4pPr marR="0" lvl="3" algn="l" rtl="0">
-              <a:lnSpc>
-                <a:spcPct val="100000"/>
-              </a:lnSpc>
-              <a:spcBef>
-                <a:spcPts val="0"/>
-              </a:spcBef>
-              <a:spcAft>
-                <a:spcPts val="0"/>
-              </a:spcAft>
-              <a:buClr>
-                <a:schemeClr val="dk1"/>
-              </a:buClr>
-              <a:buSzPts val="2800"/>
-              <a:buFont typeface="Arial"/>
-              <a:buNone/>
-              <a:defRPr sz="2800" b="0" i="0" u="none" strike="noStrike" cap="none">
-                <a:solidFill>
-                  <a:schemeClr val="dk1"/>
-                </a:solidFill>
-                <a:latin typeface="Arial"/>
-                <a:ea typeface="Arial"/>
-                <a:cs typeface="Arial"/>
-                <a:sym typeface="Arial"/>
-              </a:defRPr>
-            </a:lvl4pPr>
-            <a:lvl5pPr marR="0" lvl="4" algn="l" rtl="0">
-              <a:lnSpc>
-                <a:spcPct val="100000"/>
-              </a:lnSpc>
-              <a:spcBef>
-                <a:spcPts val="0"/>
-              </a:spcBef>
-              <a:spcAft>
-                <a:spcPts val="0"/>
-              </a:spcAft>
-              <a:buClr>
-                <a:schemeClr val="dk1"/>
-              </a:buClr>
-              <a:buSzPts val="2800"/>
-              <a:buFont typeface="Arial"/>
-              <a:buNone/>
-              <a:defRPr sz="2800" b="0" i="0" u="none" strike="noStrike" cap="none">
-                <a:solidFill>
-                  <a:schemeClr val="dk1"/>
-                </a:solidFill>
-                <a:latin typeface="Arial"/>
-                <a:ea typeface="Arial"/>
-                <a:cs typeface="Arial"/>
-                <a:sym typeface="Arial"/>
-              </a:defRPr>
-            </a:lvl5pPr>
-            <a:lvl6pPr marR="0" lvl="5" algn="l" rtl="0">
-              <a:lnSpc>
-                <a:spcPct val="100000"/>
-              </a:lnSpc>
-              <a:spcBef>
-                <a:spcPts val="0"/>
-              </a:spcBef>
-              <a:spcAft>
-                <a:spcPts val="0"/>
-              </a:spcAft>
-              <a:buClr>
-                <a:schemeClr val="dk1"/>
-              </a:buClr>
-              <a:buSzPts val="2800"/>
-              <a:buFont typeface="Arial"/>
-              <a:buNone/>
-              <a:defRPr sz="2800" b="0" i="0" u="none" strike="noStrike" cap="none">
-                <a:solidFill>
-                  <a:schemeClr val="dk1"/>
-                </a:solidFill>
-                <a:latin typeface="Arial"/>
-                <a:ea typeface="Arial"/>
-                <a:cs typeface="Arial"/>
-                <a:sym typeface="Arial"/>
-              </a:defRPr>
-            </a:lvl6pPr>
-            <a:lvl7pPr marR="0" lvl="6" algn="l" rtl="0">
-              <a:lnSpc>
-                <a:spcPct val="100000"/>
-              </a:lnSpc>
-              <a:spcBef>
-                <a:spcPts val="0"/>
-              </a:spcBef>
-              <a:spcAft>
-                <a:spcPts val="0"/>
-              </a:spcAft>
-              <a:buClr>
-                <a:schemeClr val="dk1"/>
-              </a:buClr>
-              <a:buSzPts val="2800"/>
-              <a:buFont typeface="Arial"/>
-              <a:buNone/>
-              <a:defRPr sz="2800" b="0" i="0" u="none" strike="noStrike" cap="none">
-                <a:solidFill>
-                  <a:schemeClr val="dk1"/>
-                </a:solidFill>
-                <a:latin typeface="Arial"/>
-                <a:ea typeface="Arial"/>
-                <a:cs typeface="Arial"/>
-                <a:sym typeface="Arial"/>
-              </a:defRPr>
-            </a:lvl7pPr>
-            <a:lvl8pPr marR="0" lvl="7" algn="l" rtl="0">
-              <a:lnSpc>
-                <a:spcPct val="100000"/>
-              </a:lnSpc>
-              <a:spcBef>
-                <a:spcPts val="0"/>
-              </a:spcBef>
-              <a:spcAft>
-                <a:spcPts val="0"/>
-              </a:spcAft>
-              <a:buClr>
-                <a:schemeClr val="dk1"/>
-              </a:buClr>
-              <a:buSzPts val="2800"/>
-              <a:buFont typeface="Arial"/>
-              <a:buNone/>
-              <a:defRPr sz="2800" b="0" i="0" u="none" strike="noStrike" cap="none">
-                <a:solidFill>
-                  <a:schemeClr val="dk1"/>
-                </a:solidFill>
-                <a:latin typeface="Arial"/>
-                <a:ea typeface="Arial"/>
-                <a:cs typeface="Arial"/>
-                <a:sym typeface="Arial"/>
-              </a:defRPr>
-            </a:lvl8pPr>
-            <a:lvl9pPr marR="0" lvl="8" algn="l" rtl="0">
-              <a:lnSpc>
-                <a:spcPct val="100000"/>
-              </a:lnSpc>
-              <a:spcBef>
-                <a:spcPts val="0"/>
-              </a:spcBef>
-              <a:spcAft>
-                <a:spcPts val="0"/>
-              </a:spcAft>
-              <a:buClr>
-                <a:schemeClr val="dk1"/>
-              </a:buClr>
-              <a:buSzPts val="2800"/>
-              <a:buFont typeface="Arial"/>
-              <a:buNone/>
-              <a:defRPr sz="2800" b="0" i="0" u="none" strike="noStrike" cap="none">
-                <a:solidFill>
-                  <a:schemeClr val="dk1"/>
-                </a:solidFill>
-                <a:latin typeface="Arial"/>
-                <a:ea typeface="Arial"/>
-                <a:cs typeface="Arial"/>
-                <a:sym typeface="Arial"/>
-              </a:defRPr>
-            </a:lvl9pPr>
-          </a:lstStyle>
-          <a:p>
-            <a:endParaRPr/>
-          </a:p>
-        </p:txBody>
-      </p:sp>
-      <p:sp>
-        <p:nvSpPr>
-          <p:cNvPr id="277" name="Google Shape;277;p44"/>
-          <p:cNvSpPr txBox="1">
-            <a:spLocks noGrp="1"/>
-          </p:cNvSpPr>
-          <p:nvPr>
-            <p:ph type="body" idx="1"/>
-          </p:nvPr>
-        </p:nvSpPr>
-        <p:spPr>
-          <a:xfrm>
-            <a:off x="5021125" y="1068425"/>
-            <a:ext cx="3703200" cy="3480300"/>
-          </a:xfrm>
-          <a:prstGeom prst="rect">
-            <a:avLst/>
-          </a:prstGeom>
-          <a:noFill/>
-          <a:ln>
-            <a:noFill/>
-          </a:ln>
-        </p:spPr>
-        <p:txBody>
-          <a:bodyPr spcFirstLastPara="1" wrap="square" lIns="91425" tIns="91425" rIns="91425" bIns="91425" anchor="t" anchorCtr="0">
-            <a:normAutofit/>
-          </a:bodyPr>
-          <a:lstStyle>
-            <a:lvl1pPr marL="457200" marR="0" lvl="0" indent="-342900" algn="l" rtl="0">
-              <a:lnSpc>
-                <a:spcPct val="115000"/>
-              </a:lnSpc>
-              <a:spcBef>
-                <a:spcPts val="0"/>
-              </a:spcBef>
-              <a:spcAft>
-                <a:spcPts val="0"/>
-              </a:spcAft>
-              <a:buClr>
-                <a:srgbClr val="000000"/>
-              </a:buClr>
-              <a:buSzPts val="1800"/>
-              <a:buFont typeface="Arial"/>
-              <a:buChar char="•"/>
-              <a:defRPr sz="1800" b="0" i="0" u="none" strike="noStrike" cap="none">
-                <a:solidFill>
-                  <a:srgbClr val="000000"/>
-                </a:solidFill>
-                <a:latin typeface="Arial"/>
-                <a:ea typeface="Arial"/>
-                <a:cs typeface="Arial"/>
-                <a:sym typeface="Arial"/>
-              </a:defRPr>
-            </a:lvl1pPr>
-            <a:lvl2pPr marL="914400" marR="0" lvl="1" indent="-330200" algn="l" rtl="0">
-              <a:lnSpc>
-                <a:spcPct val="115000"/>
-              </a:lnSpc>
-              <a:spcBef>
-                <a:spcPts val="0"/>
-              </a:spcBef>
-              <a:spcAft>
-                <a:spcPts val="0"/>
-              </a:spcAft>
-              <a:buClr>
-                <a:srgbClr val="000000"/>
-              </a:buClr>
-              <a:buSzPts val="1600"/>
-              <a:buFont typeface="Arial"/>
-              <a:buChar char="◦"/>
-              <a:defRPr sz="1600" b="0" i="0" u="none" strike="noStrike" cap="none">
-                <a:solidFill>
-                  <a:srgbClr val="000000"/>
-                </a:solidFill>
-                <a:latin typeface="Arial"/>
-                <a:ea typeface="Arial"/>
-                <a:cs typeface="Arial"/>
-                <a:sym typeface="Arial"/>
-              </a:defRPr>
-            </a:lvl2pPr>
-            <a:lvl3pPr marL="1371600" marR="0" lvl="2" indent="-317500" algn="l" rtl="0">
-              <a:lnSpc>
-                <a:spcPct val="115000"/>
-              </a:lnSpc>
-              <a:spcBef>
-                <a:spcPts val="0"/>
-              </a:spcBef>
-              <a:spcAft>
-                <a:spcPts val="0"/>
-              </a:spcAft>
-              <a:buClr>
-                <a:srgbClr val="000000"/>
-              </a:buClr>
-              <a:buSzPts val="1400"/>
-              <a:buFont typeface="Arial"/>
-              <a:buChar char="•"/>
-              <a:defRPr sz="1400" b="0" i="0" u="none" strike="noStrike" cap="none">
-                <a:solidFill>
-                  <a:srgbClr val="000000"/>
-                </a:solidFill>
-                <a:latin typeface="Arial"/>
-                <a:ea typeface="Arial"/>
-                <a:cs typeface="Arial"/>
-                <a:sym typeface="Arial"/>
-              </a:defRPr>
-            </a:lvl3pPr>
-            <a:lvl4pPr marL="1828800" marR="0" lvl="3" indent="-311150" algn="l" rtl="0">
-              <a:lnSpc>
-                <a:spcPct val="115000"/>
-              </a:lnSpc>
-              <a:spcBef>
-                <a:spcPts val="0"/>
-              </a:spcBef>
-              <a:spcAft>
-                <a:spcPts val="0"/>
-              </a:spcAft>
-              <a:buClr>
-                <a:srgbClr val="000000"/>
-              </a:buClr>
-              <a:buSzPts val="1300"/>
-              <a:buFont typeface="Arial"/>
-              <a:buChar char="◦"/>
-              <a:defRPr sz="1300" b="0" i="0" u="none" strike="noStrike" cap="none">
-                <a:solidFill>
-                  <a:srgbClr val="000000"/>
-                </a:solidFill>
-                <a:latin typeface="Arial"/>
-                <a:ea typeface="Arial"/>
-                <a:cs typeface="Arial"/>
-                <a:sym typeface="Arial"/>
-              </a:defRPr>
-            </a:lvl4pPr>
-            <a:lvl5pPr marL="2286000" marR="0" lvl="4" indent="-304800" algn="l" rtl="0">
-              <a:lnSpc>
-                <a:spcPct val="115000"/>
-              </a:lnSpc>
-              <a:spcBef>
-                <a:spcPts val="0"/>
-              </a:spcBef>
-              <a:spcAft>
-                <a:spcPts val="0"/>
-              </a:spcAft>
-              <a:buClr>
-                <a:srgbClr val="000000"/>
-              </a:buClr>
-              <a:buSzPts val="1200"/>
-              <a:buFont typeface="Arial"/>
-              <a:buChar char="•"/>
-              <a:defRPr sz="1200" b="0" i="0" u="none" strike="noStrike" cap="none">
-                <a:solidFill>
-                  <a:srgbClr val="000000"/>
-                </a:solidFill>
-                <a:latin typeface="Arial"/>
-                <a:ea typeface="Arial"/>
-                <a:cs typeface="Arial"/>
-                <a:sym typeface="Arial"/>
-              </a:defRPr>
-            </a:lvl5pPr>
-            <a:lvl6pPr marL="2743200" marR="0" lvl="5" indent="-298450" algn="l" rtl="0">
-              <a:lnSpc>
-                <a:spcPct val="115000"/>
-              </a:lnSpc>
-              <a:spcBef>
-                <a:spcPts val="0"/>
-              </a:spcBef>
-              <a:spcAft>
-                <a:spcPts val="0"/>
-              </a:spcAft>
-              <a:buClr>
-                <a:srgbClr val="000000"/>
-              </a:buClr>
-              <a:buSzPts val="1100"/>
-              <a:buFont typeface="Arial"/>
-              <a:buChar char="◦"/>
-              <a:defRPr sz="1100" b="0" i="0" u="none" strike="noStrike" cap="none">
-                <a:solidFill>
-                  <a:srgbClr val="000000"/>
-                </a:solidFill>
-                <a:latin typeface="Arial"/>
-                <a:ea typeface="Arial"/>
-                <a:cs typeface="Arial"/>
-                <a:sym typeface="Arial"/>
-              </a:defRPr>
-            </a:lvl6pPr>
-            <a:lvl7pPr marL="3200400" marR="0" lvl="6" indent="-298450" algn="l" rtl="0">
-              <a:lnSpc>
-                <a:spcPct val="115000"/>
-              </a:lnSpc>
-              <a:spcBef>
-                <a:spcPts val="0"/>
-              </a:spcBef>
-              <a:spcAft>
-                <a:spcPts val="0"/>
-              </a:spcAft>
-              <a:buClr>
-                <a:srgbClr val="000000"/>
-              </a:buClr>
-              <a:buSzPts val="1100"/>
-              <a:buFont typeface="Arial"/>
-              <a:buChar char="•"/>
-              <a:defRPr sz="1100" b="0" i="0" u="none" strike="noStrike" cap="none">
-                <a:solidFill>
-                  <a:srgbClr val="000000"/>
-                </a:solidFill>
-                <a:latin typeface="Arial"/>
-                <a:ea typeface="Arial"/>
-                <a:cs typeface="Arial"/>
-                <a:sym typeface="Arial"/>
-              </a:defRPr>
-            </a:lvl7pPr>
-            <a:lvl8pPr marL="3657600" marR="0" lvl="7" indent="-298450" algn="l" rtl="0">
-              <a:lnSpc>
-                <a:spcPct val="115000"/>
-              </a:lnSpc>
-              <a:spcBef>
-                <a:spcPts val="0"/>
-              </a:spcBef>
-              <a:spcAft>
-                <a:spcPts val="0"/>
-              </a:spcAft>
-              <a:buClr>
-                <a:srgbClr val="000000"/>
-              </a:buClr>
-              <a:buSzPts val="1100"/>
-              <a:buFont typeface="Arial"/>
-              <a:buChar char="◦"/>
-              <a:defRPr sz="1100" b="0" i="0" u="none" strike="noStrike" cap="none">
-                <a:solidFill>
-                  <a:srgbClr val="000000"/>
-                </a:solidFill>
-                <a:latin typeface="Arial"/>
-                <a:ea typeface="Arial"/>
-                <a:cs typeface="Arial"/>
-                <a:sym typeface="Arial"/>
-              </a:defRPr>
-            </a:lvl8pPr>
-            <a:lvl9pPr marL="4114800" marR="0" lvl="8" indent="-298450" algn="l" rtl="0">
-              <a:lnSpc>
-                <a:spcPct val="115000"/>
-              </a:lnSpc>
-              <a:spcBef>
-                <a:spcPts val="0"/>
-              </a:spcBef>
-              <a:spcAft>
-                <a:spcPts val="0"/>
-              </a:spcAft>
-              <a:buClr>
-                <a:srgbClr val="000000"/>
-              </a:buClr>
-              <a:buSzPts val="1100"/>
-              <a:buFont typeface="Arial"/>
-              <a:buChar char="•"/>
-              <a:defRPr sz="1100" b="0" i="0" u="none" strike="noStrike" cap="none">
-                <a:solidFill>
-                  <a:srgbClr val="000000"/>
-                </a:solidFill>
-                <a:latin typeface="Arial"/>
-                <a:ea typeface="Arial"/>
-                <a:cs typeface="Arial"/>
-                <a:sym typeface="Arial"/>
-              </a:defRPr>
-            </a:lvl9pPr>
-          </a:lstStyle>
-          <a:p>
-            <a:endParaRPr/>
-          </a:p>
-        </p:txBody>
-      </p:sp>
-      <p:pic>
-        <p:nvPicPr>
-          <p:cNvPr id="278" name="Google Shape;278;p44"/>
-          <p:cNvPicPr preferRelativeResize="0"/>
-          <p:nvPr/>
-        </p:nvPicPr>
-        <p:blipFill rotWithShape="1">
-          <a:blip r:embed="rId2">
-            <a:alphaModFix/>
-          </a:blip>
-          <a:srcRect/>
-          <a:stretch/>
-        </p:blipFill>
-        <p:spPr>
-          <a:xfrm>
-            <a:off x="8046049" y="4792726"/>
-            <a:ext cx="932688" cy="225931"/>
-          </a:xfrm>
-          <a:prstGeom prst="rect">
-            <a:avLst/>
-          </a:prstGeom>
-          <a:noFill/>
-          <a:ln>
-            <a:noFill/>
-          </a:ln>
-        </p:spPr>
-      </p:pic>
-    </p:spTree>
-  </p:cSld>
-  <p:clrMapOvr>
-    <a:masterClrMapping/>
-  </p:clrMapOvr>
-</p:sldLayout>
-</file>
-
-<file path=ppt/slideLayouts/slideLayout5.xml><?xml version="1.0" encoding="utf-8"?>
 <p:sldLayout xmlns:a="http://schemas.openxmlformats.org/drawingml/2006/main" xmlns:r="http://schemas.openxmlformats.org/officeDocument/2006/relationships" xmlns:p="http://schemas.openxmlformats.org/presentationml/2006/main" matchingName="Title and Two Columns" type="titleOnly">
   <p:cSld name="TITLE_ONLY">
     <p:spTree>
@@ -9421,7 +7936,7 @@
 </p:sldLayout>
 </file>
 
-<file path=ppt/slideLayouts/slideLayout6.xml><?xml version="1.0" encoding="utf-8"?>
+<file path=ppt/slideLayouts/slideLayout5.xml><?xml version="1.0" encoding="utf-8"?>
 <p:sldLayout xmlns:a="http://schemas.openxmlformats.org/drawingml/2006/main" xmlns:r="http://schemas.openxmlformats.org/officeDocument/2006/relationships" xmlns:p="http://schemas.openxmlformats.org/presentationml/2006/main" matchingName="3 columns 1">
   <p:cSld name="Blank - Green Footer_1">
     <p:spTree>
@@ -12610,9 +11125,8 @@
     <p:sldLayoutId id="2147483649" r:id="rId1"/>
     <p:sldLayoutId id="2147483650" r:id="rId2"/>
     <p:sldLayoutId id="2147483653" r:id="rId3"/>
-    <p:sldLayoutId id="2147483661" r:id="rId4"/>
-    <p:sldLayoutId id="2147483669" r:id="rId5"/>
-    <p:sldLayoutId id="2147483670" r:id="rId6"/>
+    <p:sldLayoutId id="2147483669" r:id="rId4"/>
+    <p:sldLayoutId id="2147483670" r:id="rId5"/>
   </p:sldLayoutIdLst>
   <p:hf hdr="0" ftr="0" dt="0"/>
   <p:txStyles>
@@ -13564,231 +12078,6 @@
   <p:cSld>
     <p:spTree>
       <p:nvGrpSpPr>
-        <p:cNvPr id="1" name="Shape 505"/>
-        <p:cNvGrpSpPr/>
-        <p:nvPr/>
-      </p:nvGrpSpPr>
-      <p:grpSpPr>
-        <a:xfrm>
-          <a:off x="0" y="0"/>
-          <a:ext cx="0" cy="0"/>
-          <a:chOff x="0" y="0"/>
-          <a:chExt cx="0" cy="0"/>
-        </a:xfrm>
-      </p:grpSpPr>
-      <p:sp>
-        <p:nvSpPr>
-          <p:cNvPr id="506" name="Google Shape;506;p7"/>
-          <p:cNvSpPr txBox="1">
-            <a:spLocks noGrp="1"/>
-          </p:cNvSpPr>
-          <p:nvPr>
-            <p:ph type="sldNum" idx="12"/>
-          </p:nvPr>
-        </p:nvSpPr>
-        <p:spPr>
-          <a:xfrm>
-            <a:off x="28" y="4736024"/>
-            <a:ext cx="348600" cy="393600"/>
-          </a:xfrm>
-          <a:prstGeom prst="rect">
-            <a:avLst/>
-          </a:prstGeom>
-          <a:noFill/>
-          <a:ln>
-            <a:noFill/>
-          </a:ln>
-        </p:spPr>
-        <p:txBody>
-          <a:bodyPr spcFirstLastPara="1" wrap="square" lIns="0" tIns="0" rIns="0" bIns="0" anchor="ctr" anchorCtr="0">
-            <a:normAutofit/>
-          </a:bodyPr>
-          <a:lstStyle/>
-          <a:p>
-            <a:pPr marL="0" lvl="0" indent="0" algn="ctr" rtl="0">
-              <a:lnSpc>
-                <a:spcPct val="100000"/>
-              </a:lnSpc>
-              <a:spcBef>
-                <a:spcPts val="0"/>
-              </a:spcBef>
-              <a:spcAft>
-                <a:spcPts val="0"/>
-              </a:spcAft>
-              <a:buSzPts val="800"/>
-              <a:buNone/>
-            </a:pPr>
-            <a:fld id="{00000000-1234-1234-1234-123412341234}" type="slidenum">
-              <a:rPr lang="en"/>
-              <a:t>10</a:t>
-            </a:fld>
-            <a:endParaRPr/>
-          </a:p>
-        </p:txBody>
-      </p:sp>
-      <p:sp>
-        <p:nvSpPr>
-          <p:cNvPr id="507" name="Google Shape;507;p7"/>
-          <p:cNvSpPr txBox="1">
-            <a:spLocks noGrp="1"/>
-          </p:cNvSpPr>
-          <p:nvPr>
-            <p:ph type="title"/>
-          </p:nvPr>
-        </p:nvSpPr>
-        <p:spPr>
-          <a:xfrm>
-            <a:off x="682650" y="1808555"/>
-            <a:ext cx="7425300" cy="1536000"/>
-          </a:xfrm>
-          <a:prstGeom prst="rect">
-            <a:avLst/>
-          </a:prstGeom>
-          <a:noFill/>
-          <a:ln>
-            <a:noFill/>
-          </a:ln>
-        </p:spPr>
-        <p:txBody>
-          <a:bodyPr spcFirstLastPara="1" wrap="square" lIns="0" tIns="91425" rIns="91425" bIns="91425" anchor="t" anchorCtr="0">
-            <a:noAutofit/>
-          </a:bodyPr>
-          <a:lstStyle/>
-          <a:p>
-            <a:pPr marL="0" lvl="0" indent="0" algn="l" rtl="0">
-              <a:lnSpc>
-                <a:spcPct val="100000"/>
-              </a:lnSpc>
-              <a:spcBef>
-                <a:spcPts val="0"/>
-              </a:spcBef>
-              <a:spcAft>
-                <a:spcPts val="0"/>
-              </a:spcAft>
-              <a:buSzPts val="3600"/>
-              <a:buNone/>
-            </a:pPr>
-            <a:r>
-              <a:rPr lang="en" dirty="0"/>
-              <a:t>Demo</a:t>
-            </a:r>
-            <a:endParaRPr dirty="0"/>
-          </a:p>
-        </p:txBody>
-      </p:sp>
-      <p:sp>
-        <p:nvSpPr>
-          <p:cNvPr id="508" name="Google Shape;508;p7"/>
-          <p:cNvSpPr txBox="1">
-            <a:spLocks noGrp="1"/>
-          </p:cNvSpPr>
-          <p:nvPr>
-            <p:ph type="subTitle" idx="1"/>
-          </p:nvPr>
-        </p:nvSpPr>
-        <p:spPr>
-          <a:xfrm>
-            <a:off x="682650" y="4273424"/>
-            <a:ext cx="5893755" cy="925200"/>
-          </a:xfrm>
-          <a:prstGeom prst="rect">
-            <a:avLst/>
-          </a:prstGeom>
-          <a:noFill/>
-          <a:ln>
-            <a:noFill/>
-          </a:ln>
-        </p:spPr>
-        <p:txBody>
-          <a:bodyPr spcFirstLastPara="1" wrap="square" lIns="91425" tIns="91425" rIns="91425" bIns="91425" anchor="t" anchorCtr="0">
-            <a:noAutofit/>
-          </a:bodyPr>
-          <a:lstStyle/>
-          <a:p>
-            <a:pPr marL="0" lvl="0" indent="0" algn="l" rtl="0">
-              <a:lnSpc>
-                <a:spcPct val="100000"/>
-              </a:lnSpc>
-              <a:spcBef>
-                <a:spcPts val="0"/>
-              </a:spcBef>
-              <a:spcAft>
-                <a:spcPts val="0"/>
-              </a:spcAft>
-              <a:buSzPts val="1600"/>
-              <a:buNone/>
-            </a:pPr>
-            <a:r>
-              <a:rPr lang="en-US" dirty="0"/>
-              <a:t>https://</a:t>
-            </a:r>
-            <a:r>
-              <a:rPr lang="en-US" dirty="0" err="1"/>
-              <a:t>github.com</a:t>
-            </a:r>
-            <a:r>
-              <a:rPr lang="en-US" dirty="0"/>
-              <a:t>/</a:t>
-            </a:r>
-            <a:r>
-              <a:rPr lang="en-US" dirty="0" err="1"/>
-              <a:t>smithna</a:t>
-            </a:r>
-            <a:r>
-              <a:rPr lang="en-US" dirty="0"/>
-              <a:t>/blogs/tree/main/</a:t>
-            </a:r>
-            <a:r>
-              <a:rPr lang="en-US" dirty="0" err="1"/>
-              <a:t>community_quality</a:t>
-            </a:r>
-            <a:endParaRPr dirty="0"/>
-          </a:p>
-        </p:txBody>
-      </p:sp>
-      <p:pic>
-        <p:nvPicPr>
-          <p:cNvPr id="4" name="Picture 3" descr="Qr code&#10;&#10;Description automatically generated">
-            <a:extLst>
-              <a:ext uri="{FF2B5EF4-FFF2-40B4-BE49-F238E27FC236}">
-                <a16:creationId xmlns:a16="http://schemas.microsoft.com/office/drawing/2014/main" id="{8C3DF482-0063-AECD-7B23-ED7A944D7CAB}"/>
-              </a:ext>
-            </a:extLst>
-          </p:cNvPr>
-          <p:cNvPicPr>
-            <a:picLocks noChangeAspect="1"/>
-          </p:cNvPicPr>
-          <p:nvPr/>
-        </p:nvPicPr>
-        <p:blipFill>
-          <a:blip r:embed="rId3"/>
-          <a:stretch>
-            <a:fillRect/>
-          </a:stretch>
-        </p:blipFill>
-        <p:spPr>
-          <a:xfrm>
-            <a:off x="4572000" y="422915"/>
-            <a:ext cx="3668268" cy="3668268"/>
-          </a:xfrm>
-          <a:prstGeom prst="rect">
-            <a:avLst/>
-          </a:prstGeom>
-        </p:spPr>
-      </p:pic>
-    </p:spTree>
-  </p:cSld>
-  <p:clrMapOvr>
-    <a:masterClrMapping/>
-  </p:clrMapOvr>
-</p:sld>
-</file>
-
-<file path=ppt/slides/slide11.xml><?xml version="1.0" encoding="utf-8"?>
-<p:sld xmlns:a="http://schemas.openxmlformats.org/drawingml/2006/main" xmlns:r="http://schemas.openxmlformats.org/officeDocument/2006/relationships" xmlns:p="http://schemas.openxmlformats.org/presentationml/2006/main">
-  <p:cSld>
-    <p:spTree>
-      <p:nvGrpSpPr>
         <p:cNvPr id="1" name=""/>
         <p:cNvGrpSpPr/>
         <p:nvPr/>
@@ -13833,7 +12122,7 @@
             </a:pPr>
             <a:fld id="{00000000-1234-1234-1234-123412341234}" type="slidenum">
               <a:rPr lang="en" smtClean="0"/>
-              <a:t>11</a:t>
+              <a:t>10</a:t>
             </a:fld>
             <a:endParaRPr lang="en"/>
           </a:p>
@@ -13954,7 +12243,7 @@
 </p:sld>
 </file>
 
-<file path=ppt/slides/slide12.xml><?xml version="1.0" encoding="utf-8"?>
+<file path=ppt/slides/slide11.xml><?xml version="1.0" encoding="utf-8"?>
 <p:sld xmlns:a="http://schemas.openxmlformats.org/drawingml/2006/main" xmlns:r="http://schemas.openxmlformats.org/officeDocument/2006/relationships" xmlns:p="http://schemas.openxmlformats.org/presentationml/2006/main">
   <p:cSld>
     <p:spTree>
@@ -14015,7 +12304,7 @@
             </a:pPr>
             <a:fld id="{00000000-1234-1234-1234-123412341234}" type="slidenum">
               <a:rPr lang="en"/>
-              <a:t>12</a:t>
+              <a:t>11</a:t>
             </a:fld>
             <a:endParaRPr/>
           </a:p>
@@ -15407,7 +13696,7 @@
           <a:p>
             <a:r>
               <a:rPr lang="en-US" dirty="0"/>
-              <a:t>What is the difference between the ration of relationships with both endpoints in a community compared to what the ratio would be if the relationships were distributed randomly?</a:t>
+              <a:t>What is the difference between the ratio of relationships with both endpoints in the same community compared to what the ratio would be if the relationships were distributed randomly?</a:t>
             </a:r>
           </a:p>
           <a:p>
@@ -15693,7 +13982,7 @@
           <p:nvPr/>
         </p:nvPicPr>
         <p:blipFill>
-          <a:blip r:embed="rId2"/>
+          <a:blip r:embed="rId3"/>
           <a:stretch>
             <a:fillRect/>
           </a:stretch>
@@ -15740,10 +14029,10 @@
       </p:grpSpPr>
       <p:sp>
         <p:nvSpPr>
-          <p:cNvPr id="2" name="Slide Number Placeholder 1">
+          <p:cNvPr id="5" name="Title 4">
             <a:extLst>
               <a:ext uri="{FF2B5EF4-FFF2-40B4-BE49-F238E27FC236}">
-                <a16:creationId xmlns:a16="http://schemas.microsoft.com/office/drawing/2014/main" id="{0FF05038-AADE-7B4F-D5B7-4A6E85452E15}"/>
+                <a16:creationId xmlns:a16="http://schemas.microsoft.com/office/drawing/2014/main" id="{162792AE-564F-0EAF-62EE-A55EEA86BD8E}"/>
               </a:ext>
             </a:extLst>
           </p:cNvPr>
@@ -15751,7 +14040,152 @@
             <a:spLocks noGrp="1"/>
           </p:cNvSpPr>
           <p:nvPr>
-            <p:ph type="sldNum" idx="12"/>
+            <p:ph type="title"/>
+          </p:nvPr>
+        </p:nvSpPr>
+        <p:spPr/>
+        <p:txBody>
+          <a:bodyPr/>
+          <a:lstStyle/>
+          <a:p>
+            <a:r>
+              <a:rPr lang="en-US" dirty="0"/>
+              <a:t>Compare sample graph statistics</a:t>
+            </a:r>
+          </a:p>
+        </p:txBody>
+      </p:sp>
+      <p:sp>
+        <p:nvSpPr>
+          <p:cNvPr id="7" name="Text Placeholder 6">
+            <a:extLst>
+              <a:ext uri="{FF2B5EF4-FFF2-40B4-BE49-F238E27FC236}">
+                <a16:creationId xmlns:a16="http://schemas.microsoft.com/office/drawing/2014/main" id="{5E89E15A-0AB7-0820-4CD8-C4C28C3AA6B0}"/>
+              </a:ext>
+            </a:extLst>
+          </p:cNvPr>
+          <p:cNvSpPr>
+            <a:spLocks noGrp="1"/>
+          </p:cNvSpPr>
+          <p:nvPr>
+            <p:ph type="body" idx="2"/>
+          </p:nvPr>
+        </p:nvSpPr>
+        <p:spPr>
+          <a:xfrm>
+            <a:off x="678050" y="3241041"/>
+            <a:ext cx="3836700" cy="1495466"/>
+          </a:xfrm>
+        </p:spPr>
+        <p:txBody>
+          <a:bodyPr numCol="2">
+            <a:noAutofit/>
+          </a:bodyPr>
+          <a:lstStyle/>
+          <a:p>
+            <a:pPr marL="114300" indent="0">
+              <a:lnSpc>
+                <a:spcPct val="150000"/>
+              </a:lnSpc>
+              <a:buNone/>
+            </a:pPr>
+            <a:r>
+              <a:rPr lang="en-US" sz="1400" dirty="0"/>
+              <a:t>Conductance:</a:t>
+            </a:r>
+          </a:p>
+          <a:p>
+            <a:pPr>
+              <a:lnSpc>
+                <a:spcPct val="150000"/>
+              </a:lnSpc>
+            </a:pPr>
+            <a:r>
+              <a:rPr lang="en-US" sz="1400" dirty="0"/>
+              <a:t>Purple: 0.043</a:t>
+            </a:r>
+          </a:p>
+          <a:p>
+            <a:pPr>
+              <a:lnSpc>
+                <a:spcPct val="150000"/>
+              </a:lnSpc>
+            </a:pPr>
+            <a:r>
+              <a:rPr lang="en-US" sz="1400" dirty="0"/>
+              <a:t>Yellow: 0.067</a:t>
+            </a:r>
+          </a:p>
+          <a:p>
+            <a:pPr marL="114300" indent="0">
+              <a:lnSpc>
+                <a:spcPct val="150000"/>
+              </a:lnSpc>
+              <a:buNone/>
+            </a:pPr>
+            <a:r>
+              <a:rPr lang="en-US" sz="1400" dirty="0"/>
+              <a:t>Modularity: 0.425</a:t>
+            </a:r>
+          </a:p>
+          <a:p>
+            <a:pPr marL="114300" indent="0">
+              <a:lnSpc>
+                <a:spcPct val="150000"/>
+              </a:lnSpc>
+              <a:buNone/>
+            </a:pPr>
+            <a:r>
+              <a:rPr lang="en-US" sz="1400" dirty="0"/>
+              <a:t>Clustering </a:t>
+            </a:r>
+            <a:r>
+              <a:rPr lang="en-US" sz="1400" dirty="0" err="1"/>
+              <a:t>Coef</a:t>
+            </a:r>
+            <a:r>
+              <a:rPr lang="en-US" sz="1400" dirty="0"/>
+              <a:t>:</a:t>
+            </a:r>
+          </a:p>
+          <a:p>
+            <a:pPr>
+              <a:lnSpc>
+                <a:spcPct val="150000"/>
+              </a:lnSpc>
+            </a:pPr>
+            <a:r>
+              <a:rPr lang="en-US" sz="1400" dirty="0"/>
+              <a:t>Purple: 0.238</a:t>
+            </a:r>
+          </a:p>
+          <a:p>
+            <a:pPr>
+              <a:lnSpc>
+                <a:spcPct val="150000"/>
+              </a:lnSpc>
+            </a:pPr>
+            <a:r>
+              <a:rPr lang="en-US" sz="1400" dirty="0"/>
+              <a:t>Yellow: 0.0</a:t>
+            </a:r>
+          </a:p>
+        </p:txBody>
+      </p:sp>
+      <p:sp>
+        <p:nvSpPr>
+          <p:cNvPr id="2" name="Slide Number Placeholder 1">
+            <a:extLst>
+              <a:ext uri="{FF2B5EF4-FFF2-40B4-BE49-F238E27FC236}">
+                <a16:creationId xmlns:a16="http://schemas.microsoft.com/office/drawing/2014/main" id="{1574A0AC-DE3C-ED6E-AFC4-6A39F8D3D591}"/>
+              </a:ext>
+            </a:extLst>
+          </p:cNvPr>
+          <p:cNvSpPr>
+            <a:spLocks noGrp="1"/>
+          </p:cNvSpPr>
+          <p:nvPr>
+            <p:ph type="sldNum" idx="3"/>
           </p:nvPr>
         </p:nvSpPr>
         <p:spPr/>
@@ -15778,111 +14212,381 @@
       </p:sp>
       <p:sp>
         <p:nvSpPr>
-          <p:cNvPr id="5" name="Title 4">
+          <p:cNvPr id="10" name="Text Placeholder 6">
             <a:extLst>
               <a:ext uri="{FF2B5EF4-FFF2-40B4-BE49-F238E27FC236}">
-                <a16:creationId xmlns:a16="http://schemas.microsoft.com/office/drawing/2014/main" id="{FB9A5FC9-344F-21A8-8452-6585802C109D}"/>
+                <a16:creationId xmlns:a16="http://schemas.microsoft.com/office/drawing/2014/main" id="{683C4E4C-E4E2-226A-0682-54888F2B67F7}"/>
               </a:ext>
             </a:extLst>
           </p:cNvPr>
-          <p:cNvSpPr>
-            <a:spLocks noGrp="1"/>
+          <p:cNvSpPr txBox="1">
+            <a:spLocks/>
           </p:cNvSpPr>
-          <p:nvPr>
-            <p:ph type="title"/>
-          </p:nvPr>
+          <p:nvPr/>
         </p:nvSpPr>
         <p:spPr>
           <a:xfrm>
-            <a:off x="826114" y="368825"/>
-            <a:ext cx="7819912" cy="572700"/>
+            <a:off x="4701500" y="3164783"/>
+            <a:ext cx="3836700" cy="1495466"/>
           </a:xfrm>
+          <a:prstGeom prst="rect">
+            <a:avLst/>
+          </a:prstGeom>
+          <a:noFill/>
+          <a:ln>
+            <a:noFill/>
+          </a:ln>
         </p:spPr>
         <p:txBody>
-          <a:bodyPr/>
-          <a:lstStyle/>
+          <a:bodyPr spcFirstLastPara="1" wrap="square" lIns="91425" tIns="91425" rIns="91425" bIns="91425" numCol="2" anchor="t" anchorCtr="0">
+            <a:noAutofit/>
+          </a:bodyPr>
+          <a:lstStyle>
+            <a:defPPr marR="0" lvl="0" algn="l" rtl="0">
+              <a:lnSpc>
+                <a:spcPct val="100000"/>
+              </a:lnSpc>
+              <a:spcBef>
+                <a:spcPts val="0"/>
+              </a:spcBef>
+              <a:spcAft>
+                <a:spcPts val="0"/>
+              </a:spcAft>
+            </a:defPPr>
+            <a:lvl1pPr marL="457200" marR="0" lvl="0" indent="-342900" algn="l" rtl="0">
+              <a:lnSpc>
+                <a:spcPct val="115000"/>
+              </a:lnSpc>
+              <a:spcBef>
+                <a:spcPts val="0"/>
+              </a:spcBef>
+              <a:spcAft>
+                <a:spcPts val="0"/>
+              </a:spcAft>
+              <a:buClr>
+                <a:srgbClr val="000000"/>
+              </a:buClr>
+              <a:buSzPts val="1800"/>
+              <a:buFont typeface="Arial"/>
+              <a:buChar char="•"/>
+              <a:defRPr sz="1800" b="0" i="0" u="none" strike="noStrike" cap="none">
+                <a:solidFill>
+                  <a:srgbClr val="000000"/>
+                </a:solidFill>
+                <a:latin typeface="Arial"/>
+                <a:ea typeface="Arial"/>
+                <a:cs typeface="Arial"/>
+                <a:sym typeface="Arial"/>
+              </a:defRPr>
+            </a:lvl1pPr>
+            <a:lvl2pPr marL="914400" marR="0" lvl="1" indent="-330200" algn="l" rtl="0">
+              <a:lnSpc>
+                <a:spcPct val="115000"/>
+              </a:lnSpc>
+              <a:spcBef>
+                <a:spcPts val="0"/>
+              </a:spcBef>
+              <a:spcAft>
+                <a:spcPts val="0"/>
+              </a:spcAft>
+              <a:buClr>
+                <a:srgbClr val="000000"/>
+              </a:buClr>
+              <a:buSzPts val="1600"/>
+              <a:buFont typeface="Arial"/>
+              <a:buChar char="◦"/>
+              <a:defRPr sz="1600" b="0" i="0" u="none" strike="noStrike" cap="none">
+                <a:solidFill>
+                  <a:srgbClr val="000000"/>
+                </a:solidFill>
+                <a:latin typeface="Arial"/>
+                <a:ea typeface="Arial"/>
+                <a:cs typeface="Arial"/>
+                <a:sym typeface="Arial"/>
+              </a:defRPr>
+            </a:lvl2pPr>
+            <a:lvl3pPr marL="1371600" marR="0" lvl="2" indent="-317500" algn="l" rtl="0">
+              <a:lnSpc>
+                <a:spcPct val="115000"/>
+              </a:lnSpc>
+              <a:spcBef>
+                <a:spcPts val="0"/>
+              </a:spcBef>
+              <a:spcAft>
+                <a:spcPts val="0"/>
+              </a:spcAft>
+              <a:buClr>
+                <a:srgbClr val="000000"/>
+              </a:buClr>
+              <a:buSzPts val="1400"/>
+              <a:buFont typeface="Arial"/>
+              <a:buChar char="•"/>
+              <a:defRPr sz="1400" b="0" i="0" u="none" strike="noStrike" cap="none">
+                <a:solidFill>
+                  <a:srgbClr val="000000"/>
+                </a:solidFill>
+                <a:latin typeface="Arial"/>
+                <a:ea typeface="Arial"/>
+                <a:cs typeface="Arial"/>
+                <a:sym typeface="Arial"/>
+              </a:defRPr>
+            </a:lvl3pPr>
+            <a:lvl4pPr marL="1828800" marR="0" lvl="3" indent="-311150" algn="l" rtl="0">
+              <a:lnSpc>
+                <a:spcPct val="115000"/>
+              </a:lnSpc>
+              <a:spcBef>
+                <a:spcPts val="0"/>
+              </a:spcBef>
+              <a:spcAft>
+                <a:spcPts val="0"/>
+              </a:spcAft>
+              <a:buClr>
+                <a:srgbClr val="000000"/>
+              </a:buClr>
+              <a:buSzPts val="1300"/>
+              <a:buFont typeface="Arial"/>
+              <a:buChar char="◦"/>
+              <a:defRPr sz="1300" b="0" i="0" u="none" strike="noStrike" cap="none">
+                <a:solidFill>
+                  <a:srgbClr val="000000"/>
+                </a:solidFill>
+                <a:latin typeface="Arial"/>
+                <a:ea typeface="Arial"/>
+                <a:cs typeface="Arial"/>
+                <a:sym typeface="Arial"/>
+              </a:defRPr>
+            </a:lvl4pPr>
+            <a:lvl5pPr marL="2286000" marR="0" lvl="4" indent="-304800" algn="l" rtl="0">
+              <a:lnSpc>
+                <a:spcPct val="115000"/>
+              </a:lnSpc>
+              <a:spcBef>
+                <a:spcPts val="0"/>
+              </a:spcBef>
+              <a:spcAft>
+                <a:spcPts val="0"/>
+              </a:spcAft>
+              <a:buClr>
+                <a:srgbClr val="000000"/>
+              </a:buClr>
+              <a:buSzPts val="1200"/>
+              <a:buFont typeface="Arial"/>
+              <a:buChar char="•"/>
+              <a:defRPr sz="1200" b="0" i="0" u="none" strike="noStrike" cap="none">
+                <a:solidFill>
+                  <a:srgbClr val="000000"/>
+                </a:solidFill>
+                <a:latin typeface="Arial"/>
+                <a:ea typeface="Arial"/>
+                <a:cs typeface="Arial"/>
+                <a:sym typeface="Arial"/>
+              </a:defRPr>
+            </a:lvl5pPr>
+            <a:lvl6pPr marL="2743200" marR="0" lvl="5" indent="-298450" algn="l" rtl="0">
+              <a:lnSpc>
+                <a:spcPct val="115000"/>
+              </a:lnSpc>
+              <a:spcBef>
+                <a:spcPts val="0"/>
+              </a:spcBef>
+              <a:spcAft>
+                <a:spcPts val="0"/>
+              </a:spcAft>
+              <a:buClr>
+                <a:srgbClr val="000000"/>
+              </a:buClr>
+              <a:buSzPts val="1100"/>
+              <a:buFont typeface="Arial"/>
+              <a:buChar char="◦"/>
+              <a:defRPr sz="1100" b="0" i="0" u="none" strike="noStrike" cap="none">
+                <a:solidFill>
+                  <a:srgbClr val="000000"/>
+                </a:solidFill>
+                <a:latin typeface="Arial"/>
+                <a:ea typeface="Arial"/>
+                <a:cs typeface="Arial"/>
+                <a:sym typeface="Arial"/>
+              </a:defRPr>
+            </a:lvl6pPr>
+            <a:lvl7pPr marL="3200400" marR="0" lvl="6" indent="-298450" algn="l" rtl="0">
+              <a:lnSpc>
+                <a:spcPct val="115000"/>
+              </a:lnSpc>
+              <a:spcBef>
+                <a:spcPts val="0"/>
+              </a:spcBef>
+              <a:spcAft>
+                <a:spcPts val="0"/>
+              </a:spcAft>
+              <a:buClr>
+                <a:srgbClr val="000000"/>
+              </a:buClr>
+              <a:buSzPts val="1100"/>
+              <a:buFont typeface="Arial"/>
+              <a:buChar char="•"/>
+              <a:defRPr sz="1100" b="0" i="0" u="none" strike="noStrike" cap="none">
+                <a:solidFill>
+                  <a:srgbClr val="000000"/>
+                </a:solidFill>
+                <a:latin typeface="Arial"/>
+                <a:ea typeface="Arial"/>
+                <a:cs typeface="Arial"/>
+                <a:sym typeface="Arial"/>
+              </a:defRPr>
+            </a:lvl7pPr>
+            <a:lvl8pPr marL="3657600" marR="0" lvl="7" indent="-298450" algn="l" rtl="0">
+              <a:lnSpc>
+                <a:spcPct val="115000"/>
+              </a:lnSpc>
+              <a:spcBef>
+                <a:spcPts val="0"/>
+              </a:spcBef>
+              <a:spcAft>
+                <a:spcPts val="0"/>
+              </a:spcAft>
+              <a:buClr>
+                <a:srgbClr val="000000"/>
+              </a:buClr>
+              <a:buSzPts val="1100"/>
+              <a:buFont typeface="Arial"/>
+              <a:buChar char="◦"/>
+              <a:defRPr sz="1100" b="0" i="0" u="none" strike="noStrike" cap="none">
+                <a:solidFill>
+                  <a:srgbClr val="000000"/>
+                </a:solidFill>
+                <a:latin typeface="Arial"/>
+                <a:ea typeface="Arial"/>
+                <a:cs typeface="Arial"/>
+                <a:sym typeface="Arial"/>
+              </a:defRPr>
+            </a:lvl8pPr>
+            <a:lvl9pPr marL="4114800" marR="0" lvl="8" indent="-298450" algn="l" rtl="0">
+              <a:lnSpc>
+                <a:spcPct val="115000"/>
+              </a:lnSpc>
+              <a:spcBef>
+                <a:spcPts val="0"/>
+              </a:spcBef>
+              <a:spcAft>
+                <a:spcPts val="0"/>
+              </a:spcAft>
+              <a:buClr>
+                <a:srgbClr val="000000"/>
+              </a:buClr>
+              <a:buSzPts val="1100"/>
+              <a:buFont typeface="Arial"/>
+              <a:buChar char="•"/>
+              <a:defRPr sz="1100" b="0" i="0" u="none" strike="noStrike" cap="none">
+                <a:solidFill>
+                  <a:srgbClr val="000000"/>
+                </a:solidFill>
+                <a:latin typeface="Arial"/>
+                <a:ea typeface="Arial"/>
+                <a:cs typeface="Arial"/>
+                <a:sym typeface="Arial"/>
+              </a:defRPr>
+            </a:lvl9pPr>
+          </a:lstStyle>
           <a:p>
+            <a:pPr marL="114300" indent="0">
+              <a:lnSpc>
+                <a:spcPct val="150000"/>
+              </a:lnSpc>
+              <a:buFont typeface="Arial"/>
+              <a:buNone/>
+            </a:pPr>
             <a:r>
-              <a:rPr lang="en-US" dirty="0"/>
-              <a:t>Example graph</a:t>
-            </a:r>
-          </a:p>
-        </p:txBody>
-      </p:sp>
-      <p:sp>
-        <p:nvSpPr>
-          <p:cNvPr id="6" name="Text Placeholder 5">
-            <a:extLst>
-              <a:ext uri="{FF2B5EF4-FFF2-40B4-BE49-F238E27FC236}">
-                <a16:creationId xmlns:a16="http://schemas.microsoft.com/office/drawing/2014/main" id="{BBFE832B-0EBD-35DB-9603-511A88FD7A0C}"/>
-              </a:ext>
-            </a:extLst>
-          </p:cNvPr>
-          <p:cNvSpPr>
-            <a:spLocks noGrp="1"/>
-          </p:cNvSpPr>
-          <p:nvPr>
-            <p:ph type="body" idx="1"/>
-          </p:nvPr>
-        </p:nvSpPr>
-        <p:spPr/>
-        <p:txBody>
-          <a:bodyPr/>
-          <a:lstStyle/>
-          <a:p>
-            <a:r>
-              <a:rPr lang="en-US" dirty="0"/>
+              <a:rPr lang="en-US" sz="1400" dirty="0"/>
               <a:t>Conductance:</a:t>
             </a:r>
           </a:p>
           <a:p>
-            <a:pPr lvl="1"/>
+            <a:pPr>
+              <a:lnSpc>
+                <a:spcPct val="150000"/>
+              </a:lnSpc>
+            </a:pPr>
             <a:r>
-              <a:rPr lang="en-US" dirty="0"/>
-              <a:t>Purple: 0.10</a:t>
+              <a:rPr lang="en-US" sz="1400" dirty="0"/>
+              <a:t>Purple: 0.097</a:t>
             </a:r>
           </a:p>
           <a:p>
-            <a:pPr lvl="1"/>
+            <a:pPr>
+              <a:lnSpc>
+                <a:spcPct val="150000"/>
+              </a:lnSpc>
+            </a:pPr>
             <a:r>
-              <a:rPr lang="en-US" dirty="0"/>
-              <a:t>Yellow: 0.13</a:t>
+              <a:rPr lang="en-US" sz="1400" dirty="0"/>
+              <a:t>Yellow: 0.090</a:t>
             </a:r>
           </a:p>
           <a:p>
+            <a:pPr marL="114300" indent="0">
+              <a:lnSpc>
+                <a:spcPct val="150000"/>
+              </a:lnSpc>
+              <a:buFont typeface="Arial"/>
+              <a:buNone/>
+            </a:pPr>
             <a:r>
-              <a:rPr lang="en-US" dirty="0"/>
-              <a:t>Modularity: 0.38</a:t>
+              <a:rPr lang="en-US" sz="1400" dirty="0"/>
+              <a:t>Modularity: 0.406</a:t>
             </a:r>
           </a:p>
           <a:p>
+            <a:pPr marL="114300" indent="0">
+              <a:lnSpc>
+                <a:spcPct val="150000"/>
+              </a:lnSpc>
+              <a:buFont typeface="Arial"/>
+              <a:buNone/>
+            </a:pPr>
             <a:r>
-              <a:rPr lang="en-US" dirty="0"/>
-              <a:t>Clustering Coefficient:</a:t>
+              <a:rPr lang="en-US" sz="1400" dirty="0"/>
+              <a:t>Clustering </a:t>
+            </a:r>
+            <a:r>
+              <a:rPr lang="en-US" sz="1400" dirty="0" err="1"/>
+              <a:t>Coef</a:t>
+            </a:r>
+            <a:r>
+              <a:rPr lang="en-US" sz="1400" dirty="0"/>
+              <a:t>:</a:t>
             </a:r>
           </a:p>
           <a:p>
-            <a:pPr lvl="1"/>
+            <a:pPr>
+              <a:lnSpc>
+                <a:spcPct val="150000"/>
+              </a:lnSpc>
+            </a:pPr>
             <a:r>
-              <a:rPr lang="en-US" dirty="0"/>
-              <a:t>Purple: 0.54</a:t>
+              <a:rPr lang="en-US" sz="1400" dirty="0"/>
+              <a:t>Purple: 0.371</a:t>
             </a:r>
           </a:p>
           <a:p>
-            <a:pPr lvl="1"/>
+            <a:pPr>
+              <a:lnSpc>
+                <a:spcPct val="150000"/>
+              </a:lnSpc>
+            </a:pPr>
             <a:r>
-              <a:rPr lang="en-US" dirty="0"/>
-              <a:t>Yellow: 0.65</a:t>
+              <a:rPr lang="en-US" sz="1400" dirty="0"/>
+              <a:t>Yellow: 0.487</a:t>
             </a:r>
           </a:p>
         </p:txBody>
       </p:sp>
       <p:pic>
         <p:nvPicPr>
-          <p:cNvPr id="8" name="Picture 7" descr="Background pattern&#10;&#10;Description automatically generated">
+          <p:cNvPr id="18" name="Picture 17" descr="A picture containing blur&#10;&#10;Description automatically generated">
             <a:extLst>
               <a:ext uri="{FF2B5EF4-FFF2-40B4-BE49-F238E27FC236}">
-                <a16:creationId xmlns:a16="http://schemas.microsoft.com/office/drawing/2014/main" id="{F61D2F38-C5BC-4C3C-D0BD-8DEC2B170097}"/>
+                <a16:creationId xmlns:a16="http://schemas.microsoft.com/office/drawing/2014/main" id="{CD75829B-FD17-E975-F137-322A2E1B16A2}"/>
               </a:ext>
             </a:extLst>
           </p:cNvPr>
@@ -15899,8 +14603,38 @@
         </p:blipFill>
         <p:spPr>
           <a:xfrm>
-            <a:off x="0" y="941525"/>
-            <a:ext cx="6740547" cy="3888777"/>
+            <a:off x="490868" y="483251"/>
+            <a:ext cx="5680303" cy="3554800"/>
+          </a:xfrm>
+          <a:prstGeom prst="rect">
+            <a:avLst/>
+          </a:prstGeom>
+        </p:spPr>
+      </p:pic>
+      <p:pic>
+        <p:nvPicPr>
+          <p:cNvPr id="21" name="Picture 20" descr="A picture containing background pattern&#10;&#10;Description automatically generated">
+            <a:extLst>
+              <a:ext uri="{FF2B5EF4-FFF2-40B4-BE49-F238E27FC236}">
+                <a16:creationId xmlns:a16="http://schemas.microsoft.com/office/drawing/2014/main" id="{328F69E3-BCA6-A1DF-F330-782C7674CDE9}"/>
+              </a:ext>
+            </a:extLst>
+          </p:cNvPr>
+          <p:cNvPicPr>
+            <a:picLocks noChangeAspect="1"/>
+          </p:cNvPicPr>
+          <p:nvPr/>
+        </p:nvPicPr>
+        <p:blipFill>
+          <a:blip r:embed="rId3"/>
+          <a:stretch>
+            <a:fillRect/>
+          </a:stretch>
+        </p:blipFill>
+        <p:spPr>
+          <a:xfrm>
+            <a:off x="4863089" y="483251"/>
+            <a:ext cx="5169943" cy="3235411"/>
           </a:xfrm>
           <a:prstGeom prst="rect">
             <a:avLst/>
@@ -15910,7 +14644,7 @@
     </p:spTree>
     <p:extLst>
       <p:ext uri="{BB962C8B-B14F-4D97-AF65-F5344CB8AC3E}">
-        <p14:creationId xmlns:p14="http://schemas.microsoft.com/office/powerpoint/2010/main" val="3620641016"/>
+        <p14:creationId xmlns:p14="http://schemas.microsoft.com/office/powerpoint/2010/main" val="324905486"/>
       </p:ext>
     </p:extLst>
   </p:cSld>
@@ -15925,7 +14659,7 @@
   <p:cSld>
     <p:spTree>
       <p:nvGrpSpPr>
-        <p:cNvPr id="1" name=""/>
+        <p:cNvPr id="1" name="Shape 505"/>
         <p:cNvGrpSpPr/>
         <p:nvPr/>
       </p:nvGrpSpPr>
@@ -15939,52 +14673,58 @@
       </p:grpSpPr>
       <p:sp>
         <p:nvSpPr>
-          <p:cNvPr id="2" name="Slide Number Placeholder 1">
-            <a:extLst>
-              <a:ext uri="{FF2B5EF4-FFF2-40B4-BE49-F238E27FC236}">
-                <a16:creationId xmlns:a16="http://schemas.microsoft.com/office/drawing/2014/main" id="{0FF05038-AADE-7B4F-D5B7-4A6E85452E15}"/>
-              </a:ext>
-            </a:extLst>
-          </p:cNvPr>
-          <p:cNvSpPr>
+          <p:cNvPr id="506" name="Google Shape;506;p7"/>
+          <p:cNvSpPr txBox="1">
             <a:spLocks noGrp="1"/>
           </p:cNvSpPr>
           <p:nvPr>
             <p:ph type="sldNum" idx="12"/>
           </p:nvPr>
         </p:nvSpPr>
-        <p:spPr/>
+        <p:spPr>
+          <a:xfrm>
+            <a:off x="28" y="4736024"/>
+            <a:ext cx="348600" cy="393600"/>
+          </a:xfrm>
+          <a:prstGeom prst="rect">
+            <a:avLst/>
+          </a:prstGeom>
+          <a:noFill/>
+          <a:ln>
+            <a:noFill/>
+          </a:ln>
+        </p:spPr>
         <p:txBody>
-          <a:bodyPr/>
+          <a:bodyPr spcFirstLastPara="1" wrap="square" lIns="0" tIns="0" rIns="0" bIns="0" anchor="ctr" anchorCtr="0">
+            <a:normAutofit/>
+          </a:bodyPr>
           <a:lstStyle/>
           <a:p>
             <a:pPr marL="0" lvl="0" indent="0" algn="ctr" rtl="0">
-              <a:spcBef>
-                <a:spcPts val="0"/>
-              </a:spcBef>
-              <a:spcAft>
-                <a:spcPts val="0"/>
-              </a:spcAft>
+              <a:lnSpc>
+                <a:spcPct val="100000"/>
+              </a:lnSpc>
+              <a:spcBef>
+                <a:spcPts val="0"/>
+              </a:spcBef>
+              <a:spcAft>
+                <a:spcPts val="0"/>
+              </a:spcAft>
+              <a:buSzPts val="800"/>
               <a:buNone/>
             </a:pPr>
             <a:fld id="{00000000-1234-1234-1234-123412341234}" type="slidenum">
-              <a:rPr lang="en" smtClean="0"/>
+              <a:rPr lang="en"/>
               <a:t>9</a:t>
             </a:fld>
-            <a:endParaRPr lang="en"/>
+            <a:endParaRPr/>
           </a:p>
         </p:txBody>
       </p:sp>
       <p:sp>
         <p:nvSpPr>
-          <p:cNvPr id="5" name="Title 4">
-            <a:extLst>
-              <a:ext uri="{FF2B5EF4-FFF2-40B4-BE49-F238E27FC236}">
-                <a16:creationId xmlns:a16="http://schemas.microsoft.com/office/drawing/2014/main" id="{FB9A5FC9-344F-21A8-8452-6585802C109D}"/>
-              </a:ext>
-            </a:extLst>
-          </p:cNvPr>
-          <p:cNvSpPr>
+          <p:cNvPr id="507" name="Google Shape;507;p7"/>
+          <p:cNvSpPr txBox="1">
             <a:spLocks noGrp="1"/>
           </p:cNvSpPr>
           <p:nvPr>
@@ -15993,95 +14733,120 @@
         </p:nvSpPr>
         <p:spPr>
           <a:xfrm>
-            <a:off x="826114" y="368825"/>
-            <a:ext cx="7819912" cy="572700"/>
+            <a:off x="682650" y="1808555"/>
+            <a:ext cx="7425300" cy="1536000"/>
           </a:xfrm>
+          <a:prstGeom prst="rect">
+            <a:avLst/>
+          </a:prstGeom>
+          <a:noFill/>
+          <a:ln>
+            <a:noFill/>
+          </a:ln>
         </p:spPr>
         <p:txBody>
-          <a:bodyPr/>
+          <a:bodyPr spcFirstLastPara="1" wrap="square" lIns="0" tIns="91425" rIns="91425" bIns="91425" anchor="t" anchorCtr="0">
+            <a:noAutofit/>
+          </a:bodyPr>
           <a:lstStyle/>
           <a:p>
+            <a:pPr marL="0" lvl="0" indent="0" algn="l" rtl="0">
+              <a:lnSpc>
+                <a:spcPct val="100000"/>
+              </a:lnSpc>
+              <a:spcBef>
+                <a:spcPts val="0"/>
+              </a:spcBef>
+              <a:spcAft>
+                <a:spcPts val="0"/>
+              </a:spcAft>
+              <a:buSzPts val="3600"/>
+              <a:buNone/>
+            </a:pPr>
             <a:r>
-              <a:rPr lang="en-US" dirty="0"/>
-              <a:t>Example graph</a:t>
+              <a:rPr lang="en" dirty="0"/>
+              <a:t>Demo</a:t>
             </a:r>
+            <a:endParaRPr dirty="0"/>
           </a:p>
         </p:txBody>
       </p:sp>
       <p:sp>
         <p:nvSpPr>
-          <p:cNvPr id="6" name="Text Placeholder 5">
-            <a:extLst>
-              <a:ext uri="{FF2B5EF4-FFF2-40B4-BE49-F238E27FC236}">
-                <a16:creationId xmlns:a16="http://schemas.microsoft.com/office/drawing/2014/main" id="{BBFE832B-0EBD-35DB-9603-511A88FD7A0C}"/>
-              </a:ext>
-            </a:extLst>
-          </p:cNvPr>
-          <p:cNvSpPr>
+          <p:cNvPr id="508" name="Google Shape;508;p7"/>
+          <p:cNvSpPr txBox="1">
             <a:spLocks noGrp="1"/>
           </p:cNvSpPr>
           <p:nvPr>
-            <p:ph type="body" idx="1"/>
+            <p:ph type="subTitle" idx="1"/>
           </p:nvPr>
         </p:nvSpPr>
-        <p:spPr/>
+        <p:spPr>
+          <a:xfrm>
+            <a:off x="682650" y="4273424"/>
+            <a:ext cx="5893755" cy="925200"/>
+          </a:xfrm>
+          <a:prstGeom prst="rect">
+            <a:avLst/>
+          </a:prstGeom>
+          <a:noFill/>
+          <a:ln>
+            <a:noFill/>
+          </a:ln>
+        </p:spPr>
         <p:txBody>
-          <a:bodyPr/>
+          <a:bodyPr spcFirstLastPara="1" wrap="square" lIns="91425" tIns="91425" rIns="91425" bIns="91425" anchor="t" anchorCtr="0">
+            <a:noAutofit/>
+          </a:bodyPr>
           <a:lstStyle/>
           <a:p>
+            <a:pPr marL="0" lvl="0" indent="0" algn="l" rtl="0">
+              <a:lnSpc>
+                <a:spcPct val="100000"/>
+              </a:lnSpc>
+              <a:spcBef>
+                <a:spcPts val="0"/>
+              </a:spcBef>
+              <a:spcAft>
+                <a:spcPts val="0"/>
+              </a:spcAft>
+              <a:buSzPts val="1600"/>
+              <a:buNone/>
+            </a:pPr>
             <a:r>
               <a:rPr lang="en-US" dirty="0"/>
-              <a:t>Conductance:</a:t>
+              <a:t>https://</a:t>
             </a:r>
-          </a:p>
-          <a:p>
-            <a:pPr lvl="1"/>
+            <a:r>
+              <a:rPr lang="en-US" dirty="0" err="1"/>
+              <a:t>github.com</a:t>
+            </a:r>
             <a:r>
               <a:rPr lang="en-US" dirty="0"/>
-              <a:t>Purple: 0.05</a:t>
+              <a:t>/</a:t>
             </a:r>
-          </a:p>
-          <a:p>
-            <a:pPr lvl="1"/>
+            <a:r>
+              <a:rPr lang="en-US" dirty="0" err="1"/>
+              <a:t>smithna</a:t>
+            </a:r>
             <a:r>
               <a:rPr lang="en-US" dirty="0"/>
-              <a:t>Yellow: 0.02</a:t>
+              <a:t>/blogs/tree/main/</a:t>
             </a:r>
-          </a:p>
-          <a:p>
             <a:r>
-              <a:rPr lang="en-US" dirty="0"/>
-              <a:t>Modularity: 0.38</a:t>
+              <a:rPr lang="en-US" dirty="0" err="1"/>
+              <a:t>community_quality</a:t>
             </a:r>
-          </a:p>
-          <a:p>
-            <a:r>
-              <a:rPr lang="en-US" dirty="0"/>
-              <a:t>Clustering Coefficient:</a:t>
-            </a:r>
-          </a:p>
-          <a:p>
-            <a:pPr lvl="1"/>
-            <a:r>
-              <a:rPr lang="en-US" dirty="0"/>
-              <a:t>Purple: 0.00</a:t>
-            </a:r>
-          </a:p>
-          <a:p>
-            <a:pPr lvl="1"/>
-            <a:r>
-              <a:rPr lang="en-US" dirty="0"/>
-              <a:t>Yellow: 0.12</a:t>
-            </a:r>
+            <a:endParaRPr dirty="0"/>
           </a:p>
         </p:txBody>
       </p:sp>
       <p:pic>
         <p:nvPicPr>
-          <p:cNvPr id="4" name="Picture 3">
+          <p:cNvPr id="4" name="Picture 3" descr="Qr code&#10;&#10;Description automatically generated">
             <a:extLst>
               <a:ext uri="{FF2B5EF4-FFF2-40B4-BE49-F238E27FC236}">
-                <a16:creationId xmlns:a16="http://schemas.microsoft.com/office/drawing/2014/main" id="{AC352F1F-E0AF-5D22-A486-A7FCDE1ED35F}"/>
+                <a16:creationId xmlns:a16="http://schemas.microsoft.com/office/drawing/2014/main" id="{8C3DF482-0063-AECD-7B23-ED7A944D7CAB}"/>
               </a:ext>
             </a:extLst>
           </p:cNvPr>
@@ -16091,15 +14856,15 @@
           <p:nvPr/>
         </p:nvPicPr>
         <p:blipFill>
-          <a:blip r:embed="rId2"/>
+          <a:blip r:embed="rId3"/>
           <a:stretch>
             <a:fillRect/>
           </a:stretch>
         </p:blipFill>
         <p:spPr>
           <a:xfrm>
-            <a:off x="591610" y="1141423"/>
-            <a:ext cx="5332596" cy="3076498"/>
+            <a:off x="4572000" y="422915"/>
+            <a:ext cx="3668268" cy="3668268"/>
           </a:xfrm>
           <a:prstGeom prst="rect">
             <a:avLst/>
@@ -16107,11 +14872,6 @@
         </p:spPr>
       </p:pic>
     </p:spTree>
-    <p:extLst>
-      <p:ext uri="{BB962C8B-B14F-4D97-AF65-F5344CB8AC3E}">
-        <p14:creationId xmlns:p14="http://schemas.microsoft.com/office/powerpoint/2010/main" val="3657788872"/>
-      </p:ext>
-    </p:extLst>
   </p:cSld>
   <p:clrMapOvr>
     <a:masterClrMapping/>
